--- a/Awjdni Project Presentation/Awajdni Project.pptx
+++ b/Awjdni Project Presentation/Awajdni Project.pptx
@@ -5,7 +5,7 @@
     <p:sldMasterId id="2147483660" r:id="rId1"/>
   </p:sldMasterIdLst>
   <p:notesMasterIdLst>
-    <p:notesMasterId r:id="rId17"/>
+    <p:notesMasterId r:id="rId11"/>
   </p:notesMasterIdLst>
   <p:sldIdLst>
     <p:sldId id="256" r:id="rId2"/>
@@ -17,12 +17,6 @@
     <p:sldId id="282" r:id="rId8"/>
     <p:sldId id="283" r:id="rId9"/>
     <p:sldId id="284" r:id="rId10"/>
-    <p:sldId id="276" r:id="rId11"/>
-    <p:sldId id="278" r:id="rId12"/>
-    <p:sldId id="268" r:id="rId13"/>
-    <p:sldId id="269" r:id="rId14"/>
-    <p:sldId id="270" r:id="rId15"/>
-    <p:sldId id="271" r:id="rId16"/>
   </p:sldIdLst>
   <p:sldSz cx="12192000" cy="6858000"/>
   <p:notesSz cx="6858000" cy="9144000"/>
@@ -257,7 +251,7 @@
   </p:defaultTextStyle>
   <p:extLst>
     <p:ext uri="{EFAFB233-063F-42B5-8137-9DF3F51BA10A}">
-      <p15:sldGuideLst xmlns:p15="http://schemas.microsoft.com/office/powerpoint/2012/main" xmlns=""/>
+      <p15:sldGuideLst xmlns="" xmlns:p15="http://schemas.microsoft.com/office/powerpoint/2012/main"/>
     </p:ext>
   </p:extLst>
 </p:presentation>
@@ -804,650 +798,6 @@
         </p:txBody>
       </p:sp>
     </p:spTree>
-  </p:cSld>
-  <p:clrMapOvr>
-    <a:masterClrMapping/>
-  </p:clrMapOvr>
-</p:notes>
-</file>
-
-<file path=ppt/notesSlides/notesSlide10.xml><?xml version="1.0" encoding="utf-8"?>
-<p:notes xmlns:a="http://schemas.openxmlformats.org/drawingml/2006/main" xmlns:r="http://schemas.openxmlformats.org/officeDocument/2006/relationships" xmlns:p="http://schemas.openxmlformats.org/presentationml/2006/main" showMasterSp="0" showMasterPhAnim="0">
-  <p:cSld>
-    <p:spTree>
-      <p:nvGrpSpPr>
-        <p:cNvPr id="1" name="Shape 61"/>
-        <p:cNvGrpSpPr/>
-        <p:nvPr/>
-      </p:nvGrpSpPr>
-      <p:grpSpPr>
-        <a:xfrm>
-          <a:off x="0" y="0"/>
-          <a:ext cx="0" cy="0"/>
-          <a:chOff x="0" y="0"/>
-          <a:chExt cx="0" cy="0"/>
-        </a:xfrm>
-      </p:grpSpPr>
-      <p:sp>
-        <p:nvSpPr>
-          <p:cNvPr id="62" name="Google Shape;62;g3dca2f2fcc_0_2:notes"/>
-          <p:cNvSpPr>
-            <a:spLocks noGrp="1" noRot="1" noChangeAspect="1"/>
-          </p:cNvSpPr>
-          <p:nvPr>
-            <p:ph type="sldImg" idx="2"/>
-          </p:nvPr>
-        </p:nvSpPr>
-        <p:spPr>
-          <a:xfrm>
-            <a:off x="381000" y="685800"/>
-            <a:ext cx="6096000" cy="3429000"/>
-          </a:xfrm>
-          <a:custGeom>
-            <a:avLst/>
-            <a:gdLst/>
-            <a:ahLst/>
-            <a:cxnLst/>
-            <a:rect l="0" t="0" r="0" b="0"/>
-            <a:pathLst>
-              <a:path w="120000" h="120000" extrusionOk="0">
-                <a:moveTo>
-                  <a:pt x="0" y="0"/>
-                </a:moveTo>
-                <a:lnTo>
-                  <a:pt x="120000" y="0"/>
-                </a:lnTo>
-                <a:lnTo>
-                  <a:pt x="120000" y="120000"/>
-                </a:lnTo>
-                <a:lnTo>
-                  <a:pt x="0" y="120000"/>
-                </a:lnTo>
-                <a:close/>
-              </a:path>
-            </a:pathLst>
-          </a:custGeom>
-        </p:spPr>
-      </p:sp>
-      <p:sp>
-        <p:nvSpPr>
-          <p:cNvPr id="63" name="Google Shape;63;g3dca2f2fcc_0_2:notes"/>
-          <p:cNvSpPr txBox="1">
-            <a:spLocks noGrp="1"/>
-          </p:cNvSpPr>
-          <p:nvPr>
-            <p:ph type="body" idx="1"/>
-          </p:nvPr>
-        </p:nvSpPr>
-        <p:spPr>
-          <a:xfrm>
-            <a:off x="685800" y="4343400"/>
-            <a:ext cx="5486400" cy="4114800"/>
-          </a:xfrm>
-          <a:prstGeom prst="rect">
-            <a:avLst/>
-          </a:prstGeom>
-        </p:spPr>
-        <p:txBody>
-          <a:bodyPr spcFirstLastPara="1" wrap="square" lIns="91425" tIns="91425" rIns="91425" bIns="91425" anchor="t" anchorCtr="0">
-            <a:noAutofit/>
-          </a:bodyPr>
-          <a:lstStyle/>
-          <a:p>
-            <a:pPr marL="0" lvl="0" indent="0">
-              <a:spcBef>
-                <a:spcPts val="0"/>
-              </a:spcBef>
-              <a:spcAft>
-                <a:spcPts val="0"/>
-              </a:spcAft>
-              <a:buNone/>
-            </a:pPr>
-            <a:endParaRPr/>
-          </a:p>
-        </p:txBody>
-      </p:sp>
-    </p:spTree>
-  </p:cSld>
-  <p:clrMapOvr>
-    <a:masterClrMapping/>
-  </p:clrMapOvr>
-</p:notes>
-</file>
-
-<file path=ppt/notesSlides/notesSlide11.xml><?xml version="1.0" encoding="utf-8"?>
-<p:notes xmlns:a="http://schemas.openxmlformats.org/drawingml/2006/main" xmlns:r="http://schemas.openxmlformats.org/officeDocument/2006/relationships" xmlns:p="http://schemas.openxmlformats.org/presentationml/2006/main" showMasterSp="0" showMasterPhAnim="0">
-  <p:cSld>
-    <p:spTree>
-      <p:nvGrpSpPr>
-        <p:cNvPr id="1" name="Shape 61"/>
-        <p:cNvGrpSpPr/>
-        <p:nvPr/>
-      </p:nvGrpSpPr>
-      <p:grpSpPr>
-        <a:xfrm>
-          <a:off x="0" y="0"/>
-          <a:ext cx="0" cy="0"/>
-          <a:chOff x="0" y="0"/>
-          <a:chExt cx="0" cy="0"/>
-        </a:xfrm>
-      </p:grpSpPr>
-      <p:sp>
-        <p:nvSpPr>
-          <p:cNvPr id="62" name="Google Shape;62;g3dca2f2fcc_0_2:notes"/>
-          <p:cNvSpPr>
-            <a:spLocks noGrp="1" noRot="1" noChangeAspect="1"/>
-          </p:cNvSpPr>
-          <p:nvPr>
-            <p:ph type="sldImg" idx="2"/>
-          </p:nvPr>
-        </p:nvSpPr>
-        <p:spPr>
-          <a:xfrm>
-            <a:off x="381000" y="685800"/>
-            <a:ext cx="6096000" cy="3429000"/>
-          </a:xfrm>
-          <a:custGeom>
-            <a:avLst/>
-            <a:gdLst/>
-            <a:ahLst/>
-            <a:cxnLst/>
-            <a:rect l="0" t="0" r="0" b="0"/>
-            <a:pathLst>
-              <a:path w="120000" h="120000" extrusionOk="0">
-                <a:moveTo>
-                  <a:pt x="0" y="0"/>
-                </a:moveTo>
-                <a:lnTo>
-                  <a:pt x="120000" y="0"/>
-                </a:lnTo>
-                <a:lnTo>
-                  <a:pt x="120000" y="120000"/>
-                </a:lnTo>
-                <a:lnTo>
-                  <a:pt x="0" y="120000"/>
-                </a:lnTo>
-                <a:close/>
-              </a:path>
-            </a:pathLst>
-          </a:custGeom>
-        </p:spPr>
-      </p:sp>
-      <p:sp>
-        <p:nvSpPr>
-          <p:cNvPr id="63" name="Google Shape;63;g3dca2f2fcc_0_2:notes"/>
-          <p:cNvSpPr txBox="1">
-            <a:spLocks noGrp="1"/>
-          </p:cNvSpPr>
-          <p:nvPr>
-            <p:ph type="body" idx="1"/>
-          </p:nvPr>
-        </p:nvSpPr>
-        <p:spPr>
-          <a:xfrm>
-            <a:off x="685800" y="4343400"/>
-            <a:ext cx="5486400" cy="4114800"/>
-          </a:xfrm>
-          <a:prstGeom prst="rect">
-            <a:avLst/>
-          </a:prstGeom>
-        </p:spPr>
-        <p:txBody>
-          <a:bodyPr spcFirstLastPara="1" wrap="square" lIns="91425" tIns="91425" rIns="91425" bIns="91425" anchor="t" anchorCtr="0">
-            <a:noAutofit/>
-          </a:bodyPr>
-          <a:lstStyle/>
-          <a:p>
-            <a:pPr marL="0" lvl="0" indent="0">
-              <a:spcBef>
-                <a:spcPts val="0"/>
-              </a:spcBef>
-              <a:spcAft>
-                <a:spcPts val="0"/>
-              </a:spcAft>
-              <a:buNone/>
-            </a:pPr>
-            <a:endParaRPr/>
-          </a:p>
-        </p:txBody>
-      </p:sp>
-    </p:spTree>
-  </p:cSld>
-  <p:clrMapOvr>
-    <a:masterClrMapping/>
-  </p:clrMapOvr>
-</p:notes>
-</file>
-
-<file path=ppt/notesSlides/notesSlide12.xml><?xml version="1.0" encoding="utf-8"?>
-<p:notes xmlns:a="http://schemas.openxmlformats.org/drawingml/2006/main" xmlns:r="http://schemas.openxmlformats.org/officeDocument/2006/relationships" xmlns:p="http://schemas.openxmlformats.org/presentationml/2006/main" showMasterSp="0" showMasterPhAnim="0">
-  <p:cSld>
-    <p:spTree>
-      <p:nvGrpSpPr>
-        <p:cNvPr id="1" name="Shape 61"/>
-        <p:cNvGrpSpPr/>
-        <p:nvPr/>
-      </p:nvGrpSpPr>
-      <p:grpSpPr>
-        <a:xfrm>
-          <a:off x="0" y="0"/>
-          <a:ext cx="0" cy="0"/>
-          <a:chOff x="0" y="0"/>
-          <a:chExt cx="0" cy="0"/>
-        </a:xfrm>
-      </p:grpSpPr>
-      <p:sp>
-        <p:nvSpPr>
-          <p:cNvPr id="62" name="Google Shape;62;g3dca2f2fcc_0_2:notes"/>
-          <p:cNvSpPr>
-            <a:spLocks noGrp="1" noRot="1" noChangeAspect="1"/>
-          </p:cNvSpPr>
-          <p:nvPr>
-            <p:ph type="sldImg" idx="2"/>
-          </p:nvPr>
-        </p:nvSpPr>
-        <p:spPr>
-          <a:xfrm>
-            <a:off x="381000" y="685800"/>
-            <a:ext cx="6096000" cy="3429000"/>
-          </a:xfrm>
-          <a:custGeom>
-            <a:avLst/>
-            <a:gdLst/>
-            <a:ahLst/>
-            <a:cxnLst/>
-            <a:rect l="0" t="0" r="0" b="0"/>
-            <a:pathLst>
-              <a:path w="120000" h="120000" extrusionOk="0">
-                <a:moveTo>
-                  <a:pt x="0" y="0"/>
-                </a:moveTo>
-                <a:lnTo>
-                  <a:pt x="120000" y="0"/>
-                </a:lnTo>
-                <a:lnTo>
-                  <a:pt x="120000" y="120000"/>
-                </a:lnTo>
-                <a:lnTo>
-                  <a:pt x="0" y="120000"/>
-                </a:lnTo>
-                <a:close/>
-              </a:path>
-            </a:pathLst>
-          </a:custGeom>
-        </p:spPr>
-      </p:sp>
-      <p:sp>
-        <p:nvSpPr>
-          <p:cNvPr id="63" name="Google Shape;63;g3dca2f2fcc_0_2:notes"/>
-          <p:cNvSpPr txBox="1">
-            <a:spLocks noGrp="1"/>
-          </p:cNvSpPr>
-          <p:nvPr>
-            <p:ph type="body" idx="1"/>
-          </p:nvPr>
-        </p:nvSpPr>
-        <p:spPr>
-          <a:xfrm>
-            <a:off x="685800" y="4343400"/>
-            <a:ext cx="5486400" cy="4114800"/>
-          </a:xfrm>
-          <a:prstGeom prst="rect">
-            <a:avLst/>
-          </a:prstGeom>
-        </p:spPr>
-        <p:txBody>
-          <a:bodyPr spcFirstLastPara="1" wrap="square" lIns="91425" tIns="91425" rIns="91425" bIns="91425" anchor="t" anchorCtr="0">
-            <a:noAutofit/>
-          </a:bodyPr>
-          <a:lstStyle/>
-          <a:p>
-            <a:pPr marL="0" lvl="0" indent="0">
-              <a:spcBef>
-                <a:spcPts val="0"/>
-              </a:spcBef>
-              <a:spcAft>
-                <a:spcPts val="0"/>
-              </a:spcAft>
-              <a:buNone/>
-            </a:pPr>
-            <a:endParaRPr/>
-          </a:p>
-        </p:txBody>
-      </p:sp>
-    </p:spTree>
-    <p:extLst>
-      <p:ext uri="{BB962C8B-B14F-4D97-AF65-F5344CB8AC3E}">
-        <p14:creationId xmlns:p14="http://schemas.microsoft.com/office/powerpoint/2010/main" val="3922252229"/>
-      </p:ext>
-    </p:extLst>
-  </p:cSld>
-  <p:clrMapOvr>
-    <a:masterClrMapping/>
-  </p:clrMapOvr>
-</p:notes>
-</file>
-
-<file path=ppt/notesSlides/notesSlide13.xml><?xml version="1.0" encoding="utf-8"?>
-<p:notes xmlns:a="http://schemas.openxmlformats.org/drawingml/2006/main" xmlns:r="http://schemas.openxmlformats.org/officeDocument/2006/relationships" xmlns:p="http://schemas.openxmlformats.org/presentationml/2006/main" showMasterSp="0" showMasterPhAnim="0">
-  <p:cSld>
-    <p:spTree>
-      <p:nvGrpSpPr>
-        <p:cNvPr id="1" name="Shape 61"/>
-        <p:cNvGrpSpPr/>
-        <p:nvPr/>
-      </p:nvGrpSpPr>
-      <p:grpSpPr>
-        <a:xfrm>
-          <a:off x="0" y="0"/>
-          <a:ext cx="0" cy="0"/>
-          <a:chOff x="0" y="0"/>
-          <a:chExt cx="0" cy="0"/>
-        </a:xfrm>
-      </p:grpSpPr>
-      <p:sp>
-        <p:nvSpPr>
-          <p:cNvPr id="62" name="Google Shape;62;g3dca2f2fcc_0_2:notes"/>
-          <p:cNvSpPr>
-            <a:spLocks noGrp="1" noRot="1" noChangeAspect="1"/>
-          </p:cNvSpPr>
-          <p:nvPr>
-            <p:ph type="sldImg" idx="2"/>
-          </p:nvPr>
-        </p:nvSpPr>
-        <p:spPr>
-          <a:xfrm>
-            <a:off x="381000" y="685800"/>
-            <a:ext cx="6096000" cy="3429000"/>
-          </a:xfrm>
-          <a:custGeom>
-            <a:avLst/>
-            <a:gdLst/>
-            <a:ahLst/>
-            <a:cxnLst/>
-            <a:rect l="0" t="0" r="0" b="0"/>
-            <a:pathLst>
-              <a:path w="120000" h="120000" extrusionOk="0">
-                <a:moveTo>
-                  <a:pt x="0" y="0"/>
-                </a:moveTo>
-                <a:lnTo>
-                  <a:pt x="120000" y="0"/>
-                </a:lnTo>
-                <a:lnTo>
-                  <a:pt x="120000" y="120000"/>
-                </a:lnTo>
-                <a:lnTo>
-                  <a:pt x="0" y="120000"/>
-                </a:lnTo>
-                <a:close/>
-              </a:path>
-            </a:pathLst>
-          </a:custGeom>
-        </p:spPr>
-      </p:sp>
-      <p:sp>
-        <p:nvSpPr>
-          <p:cNvPr id="63" name="Google Shape;63;g3dca2f2fcc_0_2:notes"/>
-          <p:cNvSpPr txBox="1">
-            <a:spLocks noGrp="1"/>
-          </p:cNvSpPr>
-          <p:nvPr>
-            <p:ph type="body" idx="1"/>
-          </p:nvPr>
-        </p:nvSpPr>
-        <p:spPr>
-          <a:xfrm>
-            <a:off x="685800" y="4343400"/>
-            <a:ext cx="5486400" cy="4114800"/>
-          </a:xfrm>
-          <a:prstGeom prst="rect">
-            <a:avLst/>
-          </a:prstGeom>
-        </p:spPr>
-        <p:txBody>
-          <a:bodyPr spcFirstLastPara="1" wrap="square" lIns="91425" tIns="91425" rIns="91425" bIns="91425" anchor="t" anchorCtr="0">
-            <a:noAutofit/>
-          </a:bodyPr>
-          <a:lstStyle/>
-          <a:p>
-            <a:pPr marL="0" lvl="0" indent="0">
-              <a:spcBef>
-                <a:spcPts val="0"/>
-              </a:spcBef>
-              <a:spcAft>
-                <a:spcPts val="0"/>
-              </a:spcAft>
-              <a:buNone/>
-            </a:pPr>
-            <a:endParaRPr/>
-          </a:p>
-        </p:txBody>
-      </p:sp>
-    </p:spTree>
-    <p:extLst>
-      <p:ext uri="{BB962C8B-B14F-4D97-AF65-F5344CB8AC3E}">
-        <p14:creationId xmlns:p14="http://schemas.microsoft.com/office/powerpoint/2010/main" val="2589013137"/>
-      </p:ext>
-    </p:extLst>
-  </p:cSld>
-  <p:clrMapOvr>
-    <a:masterClrMapping/>
-  </p:clrMapOvr>
-</p:notes>
-</file>
-
-<file path=ppt/notesSlides/notesSlide14.xml><?xml version="1.0" encoding="utf-8"?>
-<p:notes xmlns:a="http://schemas.openxmlformats.org/drawingml/2006/main" xmlns:r="http://schemas.openxmlformats.org/officeDocument/2006/relationships" xmlns:p="http://schemas.openxmlformats.org/presentationml/2006/main" showMasterSp="0" showMasterPhAnim="0">
-  <p:cSld>
-    <p:spTree>
-      <p:nvGrpSpPr>
-        <p:cNvPr id="1" name="Shape 61"/>
-        <p:cNvGrpSpPr/>
-        <p:nvPr/>
-      </p:nvGrpSpPr>
-      <p:grpSpPr>
-        <a:xfrm>
-          <a:off x="0" y="0"/>
-          <a:ext cx="0" cy="0"/>
-          <a:chOff x="0" y="0"/>
-          <a:chExt cx="0" cy="0"/>
-        </a:xfrm>
-      </p:grpSpPr>
-      <p:sp>
-        <p:nvSpPr>
-          <p:cNvPr id="62" name="Google Shape;62;g3dca2f2fcc_0_2:notes"/>
-          <p:cNvSpPr>
-            <a:spLocks noGrp="1" noRot="1" noChangeAspect="1"/>
-          </p:cNvSpPr>
-          <p:nvPr>
-            <p:ph type="sldImg" idx="2"/>
-          </p:nvPr>
-        </p:nvSpPr>
-        <p:spPr>
-          <a:xfrm>
-            <a:off x="381000" y="685800"/>
-            <a:ext cx="6096000" cy="3429000"/>
-          </a:xfrm>
-          <a:custGeom>
-            <a:avLst/>
-            <a:gdLst/>
-            <a:ahLst/>
-            <a:cxnLst/>
-            <a:rect l="0" t="0" r="0" b="0"/>
-            <a:pathLst>
-              <a:path w="120000" h="120000" extrusionOk="0">
-                <a:moveTo>
-                  <a:pt x="0" y="0"/>
-                </a:moveTo>
-                <a:lnTo>
-                  <a:pt x="120000" y="0"/>
-                </a:lnTo>
-                <a:lnTo>
-                  <a:pt x="120000" y="120000"/>
-                </a:lnTo>
-                <a:lnTo>
-                  <a:pt x="0" y="120000"/>
-                </a:lnTo>
-                <a:close/>
-              </a:path>
-            </a:pathLst>
-          </a:custGeom>
-        </p:spPr>
-      </p:sp>
-      <p:sp>
-        <p:nvSpPr>
-          <p:cNvPr id="63" name="Google Shape;63;g3dca2f2fcc_0_2:notes"/>
-          <p:cNvSpPr txBox="1">
-            <a:spLocks noGrp="1"/>
-          </p:cNvSpPr>
-          <p:nvPr>
-            <p:ph type="body" idx="1"/>
-          </p:nvPr>
-        </p:nvSpPr>
-        <p:spPr>
-          <a:xfrm>
-            <a:off x="685800" y="4343400"/>
-            <a:ext cx="5486400" cy="4114800"/>
-          </a:xfrm>
-          <a:prstGeom prst="rect">
-            <a:avLst/>
-          </a:prstGeom>
-        </p:spPr>
-        <p:txBody>
-          <a:bodyPr spcFirstLastPara="1" wrap="square" lIns="91425" tIns="91425" rIns="91425" bIns="91425" anchor="t" anchorCtr="0">
-            <a:noAutofit/>
-          </a:bodyPr>
-          <a:lstStyle/>
-          <a:p>
-            <a:pPr marL="0" lvl="0" indent="0">
-              <a:spcBef>
-                <a:spcPts val="0"/>
-              </a:spcBef>
-              <a:spcAft>
-                <a:spcPts val="0"/>
-              </a:spcAft>
-              <a:buNone/>
-            </a:pPr>
-            <a:endParaRPr/>
-          </a:p>
-        </p:txBody>
-      </p:sp>
-    </p:spTree>
-    <p:extLst>
-      <p:ext uri="{BB962C8B-B14F-4D97-AF65-F5344CB8AC3E}">
-        <p14:creationId xmlns:p14="http://schemas.microsoft.com/office/powerpoint/2010/main" val="3479810450"/>
-      </p:ext>
-    </p:extLst>
-  </p:cSld>
-  <p:clrMapOvr>
-    <a:masterClrMapping/>
-  </p:clrMapOvr>
-</p:notes>
-</file>
-
-<file path=ppt/notesSlides/notesSlide15.xml><?xml version="1.0" encoding="utf-8"?>
-<p:notes xmlns:a="http://schemas.openxmlformats.org/drawingml/2006/main" xmlns:r="http://schemas.openxmlformats.org/officeDocument/2006/relationships" xmlns:p="http://schemas.openxmlformats.org/presentationml/2006/main" showMasterSp="0" showMasterPhAnim="0">
-  <p:cSld>
-    <p:spTree>
-      <p:nvGrpSpPr>
-        <p:cNvPr id="1" name="Shape 61"/>
-        <p:cNvGrpSpPr/>
-        <p:nvPr/>
-      </p:nvGrpSpPr>
-      <p:grpSpPr>
-        <a:xfrm>
-          <a:off x="0" y="0"/>
-          <a:ext cx="0" cy="0"/>
-          <a:chOff x="0" y="0"/>
-          <a:chExt cx="0" cy="0"/>
-        </a:xfrm>
-      </p:grpSpPr>
-      <p:sp>
-        <p:nvSpPr>
-          <p:cNvPr id="62" name="Google Shape;62;g3dca2f2fcc_0_2:notes"/>
-          <p:cNvSpPr>
-            <a:spLocks noGrp="1" noRot="1" noChangeAspect="1"/>
-          </p:cNvSpPr>
-          <p:nvPr>
-            <p:ph type="sldImg" idx="2"/>
-          </p:nvPr>
-        </p:nvSpPr>
-        <p:spPr>
-          <a:xfrm>
-            <a:off x="381000" y="685800"/>
-            <a:ext cx="6096000" cy="3429000"/>
-          </a:xfrm>
-          <a:custGeom>
-            <a:avLst/>
-            <a:gdLst/>
-            <a:ahLst/>
-            <a:cxnLst/>
-            <a:rect l="0" t="0" r="0" b="0"/>
-            <a:pathLst>
-              <a:path w="120000" h="120000" extrusionOk="0">
-                <a:moveTo>
-                  <a:pt x="0" y="0"/>
-                </a:moveTo>
-                <a:lnTo>
-                  <a:pt x="120000" y="0"/>
-                </a:lnTo>
-                <a:lnTo>
-                  <a:pt x="120000" y="120000"/>
-                </a:lnTo>
-                <a:lnTo>
-                  <a:pt x="0" y="120000"/>
-                </a:lnTo>
-                <a:close/>
-              </a:path>
-            </a:pathLst>
-          </a:custGeom>
-        </p:spPr>
-      </p:sp>
-      <p:sp>
-        <p:nvSpPr>
-          <p:cNvPr id="63" name="Google Shape;63;g3dca2f2fcc_0_2:notes"/>
-          <p:cNvSpPr txBox="1">
-            <a:spLocks noGrp="1"/>
-          </p:cNvSpPr>
-          <p:nvPr>
-            <p:ph type="body" idx="1"/>
-          </p:nvPr>
-        </p:nvSpPr>
-        <p:spPr>
-          <a:xfrm>
-            <a:off x="685800" y="4343400"/>
-            <a:ext cx="5486400" cy="4114800"/>
-          </a:xfrm>
-          <a:prstGeom prst="rect">
-            <a:avLst/>
-          </a:prstGeom>
-        </p:spPr>
-        <p:txBody>
-          <a:bodyPr spcFirstLastPara="1" wrap="square" lIns="91425" tIns="91425" rIns="91425" bIns="91425" anchor="t" anchorCtr="0">
-            <a:noAutofit/>
-          </a:bodyPr>
-          <a:lstStyle/>
-          <a:p>
-            <a:pPr marL="0" lvl="0" indent="0">
-              <a:spcBef>
-                <a:spcPts val="0"/>
-              </a:spcBef>
-              <a:spcAft>
-                <a:spcPts val="0"/>
-              </a:spcAft>
-              <a:buNone/>
-            </a:pPr>
-            <a:endParaRPr/>
-          </a:p>
-        </p:txBody>
-      </p:sp>
-    </p:spTree>
-    <p:extLst>
-      <p:ext uri="{BB962C8B-B14F-4D97-AF65-F5344CB8AC3E}">
-        <p14:creationId xmlns:p14="http://schemas.microsoft.com/office/powerpoint/2010/main" val="2713328025"/>
-      </p:ext>
-    </p:extLst>
   </p:cSld>
   <p:clrMapOvr>
     <a:masterClrMapping/>
@@ -8746,8 +8096,8 @@
 </p:sld>
 </file>
 
-<file path=ppt/slides/slide10.xml><?xml version="1.0" encoding="utf-8"?>
-<p:sld xmlns:a="http://schemas.openxmlformats.org/drawingml/2006/main" xmlns:r="http://schemas.openxmlformats.org/officeDocument/2006/relationships" xmlns:p="http://schemas.openxmlformats.org/presentationml/2006/main" show="0">
+<file path=ppt/slides/slide2.xml><?xml version="1.0" encoding="utf-8"?>
+<p:sld xmlns:a="http://schemas.openxmlformats.org/drawingml/2006/main" xmlns:r="http://schemas.openxmlformats.org/officeDocument/2006/relationships" xmlns:p="http://schemas.openxmlformats.org/presentationml/2006/main">
   <p:cSld>
     <p:spTree>
       <p:nvGrpSpPr>
@@ -8890,1795 +8240,6 @@
             <a:r>
               <a:rPr lang="ar-SA" b="1" dirty="0" smtClean="0">
                 <a:solidFill>
-                  <a:srgbClr val="002060"/>
-                </a:solidFill>
-                <a:latin typeface="Arial Unicode MS" pitchFamily="34" charset="-128"/>
-                <a:ea typeface="Arial Unicode MS" pitchFamily="34" charset="-128"/>
-                <a:cs typeface="Arial Unicode MS" pitchFamily="34" charset="-128"/>
-              </a:rPr>
-              <a:t>آلية نظام أوجدني</a:t>
-            </a:r>
-            <a:endParaRPr b="1" dirty="0">
-              <a:solidFill>
-                <a:srgbClr val="002060"/>
-              </a:solidFill>
-              <a:latin typeface="Arial Unicode MS" pitchFamily="34" charset="-128"/>
-              <a:ea typeface="Arial Unicode MS" pitchFamily="34" charset="-128"/>
-              <a:cs typeface="Arial Unicode MS" pitchFamily="34" charset="-128"/>
-            </a:endParaRPr>
-          </a:p>
-        </p:txBody>
-      </p:sp>
-      <p:sp>
-        <p:nvSpPr>
-          <p:cNvPr id="2" name="Text Placeholder 1"/>
-          <p:cNvSpPr>
-            <a:spLocks noGrp="1"/>
-          </p:cNvSpPr>
-          <p:nvPr>
-            <p:ph type="body" idx="1"/>
-          </p:nvPr>
-        </p:nvSpPr>
-        <p:spPr>
-          <a:xfrm>
-            <a:off x="1506952" y="1825625"/>
-            <a:ext cx="9738815" cy="4351200"/>
-          </a:xfrm>
-        </p:spPr>
-        <p:txBody>
-          <a:bodyPr/>
-          <a:lstStyle/>
-          <a:p>
-            <a:pPr marL="457200" lvl="1" indent="0" algn="just" rtl="1">
-              <a:buNone/>
-            </a:pPr>
-            <a:r>
-              <a:rPr lang="ar-SA" sz="2000" dirty="0" smtClean="0">
-                <a:solidFill>
-                  <a:schemeClr val="tx1"/>
-                </a:solidFill>
-                <a:latin typeface="Arial Unicode MS" pitchFamily="34" charset="-128"/>
-                <a:ea typeface="Arial Unicode MS" pitchFamily="34" charset="-128"/>
-                <a:cs typeface="Arial Unicode MS" pitchFamily="34" charset="-128"/>
-              </a:rPr>
-              <a:t>يمكن </a:t>
-            </a:r>
-            <a:r>
-              <a:rPr lang="ar-SA" sz="2000" dirty="0">
-                <a:solidFill>
-                  <a:schemeClr val="tx1"/>
-                </a:solidFill>
-                <a:latin typeface="Arial Unicode MS" pitchFamily="34" charset="-128"/>
-                <a:ea typeface="Arial Unicode MS" pitchFamily="34" charset="-128"/>
-                <a:cs typeface="Arial Unicode MS" pitchFamily="34" charset="-128"/>
-              </a:rPr>
-              <a:t>من خلال النظام ومن خلال مستخدم تطبيق الجوال أن يقرأ بيانات الحاج عن طريق </a:t>
-            </a:r>
-            <a:r>
-              <a:rPr lang="ar-SA" sz="2000" dirty="0" smtClean="0">
-                <a:solidFill>
-                  <a:schemeClr val="tx1"/>
-                </a:solidFill>
-                <a:latin typeface="Arial Unicode MS" pitchFamily="34" charset="-128"/>
-                <a:ea typeface="Arial Unicode MS" pitchFamily="34" charset="-128"/>
-                <a:cs typeface="Arial Unicode MS" pitchFamily="34" charset="-128"/>
-              </a:rPr>
-              <a:t>قراءة  </a:t>
-            </a:r>
-            <a:r>
-              <a:rPr lang="en-US" sz="2000" dirty="0" smtClean="0">
-                <a:solidFill>
-                  <a:schemeClr val="tx1"/>
-                </a:solidFill>
-                <a:latin typeface="Arial Unicode MS" pitchFamily="34" charset="-128"/>
-                <a:ea typeface="Arial Unicode MS" pitchFamily="34" charset="-128"/>
-                <a:cs typeface="Arial Unicode MS" pitchFamily="34" charset="-128"/>
-              </a:rPr>
-              <a:t>QR code </a:t>
-            </a:r>
-            <a:r>
-              <a:rPr lang="ar-SA" sz="2000" dirty="0">
-                <a:solidFill>
-                  <a:schemeClr val="tx1"/>
-                </a:solidFill>
-                <a:latin typeface="Arial Unicode MS" pitchFamily="34" charset="-128"/>
-                <a:ea typeface="Arial Unicode MS" pitchFamily="34" charset="-128"/>
-                <a:cs typeface="Arial Unicode MS" pitchFamily="34" charset="-128"/>
-              </a:rPr>
-              <a:t>من خلال التطبيق وإظهار كل معلومات الحاج من سكن ومعلومات المسؤولين عنه وأرقام </a:t>
-            </a:r>
-            <a:r>
-              <a:rPr lang="ar-SA" sz="2000" dirty="0" smtClean="0">
-                <a:solidFill>
-                  <a:schemeClr val="tx1"/>
-                </a:solidFill>
-                <a:latin typeface="Arial Unicode MS" pitchFamily="34" charset="-128"/>
-                <a:ea typeface="Arial Unicode MS" pitchFamily="34" charset="-128"/>
-                <a:cs typeface="Arial Unicode MS" pitchFamily="34" charset="-128"/>
-              </a:rPr>
-              <a:t>تواصلهم. كما يمكن إعطاء </a:t>
-            </a:r>
-            <a:r>
-              <a:rPr lang="ar-SA" sz="2000" dirty="0">
-                <a:solidFill>
-                  <a:schemeClr val="tx1"/>
-                </a:solidFill>
-                <a:latin typeface="Arial Unicode MS" pitchFamily="34" charset="-128"/>
-                <a:ea typeface="Arial Unicode MS" pitchFamily="34" charset="-128"/>
-                <a:cs typeface="Arial Unicode MS" pitchFamily="34" charset="-128"/>
-              </a:rPr>
-              <a:t>الملاحظات حسب الحالة والتي تظهر في تبويب الملاحظات </a:t>
-            </a:r>
-            <a:r>
-              <a:rPr lang="ar-SA" sz="2000" dirty="0" smtClean="0">
-                <a:solidFill>
-                  <a:schemeClr val="tx1"/>
-                </a:solidFill>
-                <a:latin typeface="Arial Unicode MS" pitchFamily="34" charset="-128"/>
-                <a:ea typeface="Arial Unicode MS" pitchFamily="34" charset="-128"/>
-                <a:cs typeface="Arial Unicode MS" pitchFamily="34" charset="-128"/>
-              </a:rPr>
-              <a:t>لمستخدم </a:t>
-            </a:r>
-            <a:r>
-              <a:rPr lang="ar-SA" sz="2000" dirty="0">
-                <a:solidFill>
-                  <a:srgbClr val="FF0000"/>
-                </a:solidFill>
-                <a:latin typeface="Arial Unicode MS" pitchFamily="34" charset="-128"/>
-                <a:ea typeface="Arial Unicode MS" pitchFamily="34" charset="-128"/>
-                <a:cs typeface="Arial Unicode MS" pitchFamily="34" charset="-128"/>
-              </a:rPr>
-              <a:t>المسؤول عن الحاج في تطبيق </a:t>
-            </a:r>
-            <a:r>
-              <a:rPr lang="ar-SA" sz="2000" dirty="0" smtClean="0">
-                <a:solidFill>
-                  <a:srgbClr val="FF0000"/>
-                </a:solidFill>
-                <a:latin typeface="Arial Unicode MS" pitchFamily="34" charset="-128"/>
-                <a:ea typeface="Arial Unicode MS" pitchFamily="34" charset="-128"/>
-                <a:cs typeface="Arial Unicode MS" pitchFamily="34" charset="-128"/>
-              </a:rPr>
-              <a:t>الويب</a:t>
-            </a:r>
-            <a:r>
-              <a:rPr lang="ar-SA" sz="2000" dirty="0" smtClean="0">
-                <a:solidFill>
-                  <a:schemeClr val="tx1"/>
-                </a:solidFill>
-                <a:latin typeface="Arial Unicode MS" pitchFamily="34" charset="-128"/>
-                <a:ea typeface="Arial Unicode MS" pitchFamily="34" charset="-128"/>
-                <a:cs typeface="Arial Unicode MS" pitchFamily="34" charset="-128"/>
-              </a:rPr>
-              <a:t>. </a:t>
-            </a:r>
-            <a:endParaRPr lang="ar-SA" sz="2000" dirty="0">
-              <a:solidFill>
-                <a:schemeClr val="tx1"/>
-              </a:solidFill>
-              <a:latin typeface="Arial Unicode MS" pitchFamily="34" charset="-128"/>
-              <a:ea typeface="Arial Unicode MS" pitchFamily="34" charset="-128"/>
-              <a:cs typeface="Arial Unicode MS" pitchFamily="34" charset="-128"/>
-            </a:endParaRPr>
-          </a:p>
-          <a:p>
-            <a:pPr algn="just" rtl="1"/>
-            <a:endParaRPr lang="en-US" sz="3200" dirty="0">
-              <a:solidFill>
-                <a:schemeClr val="tx1"/>
-              </a:solidFill>
-              <a:latin typeface="Arial Unicode MS" pitchFamily="34" charset="-128"/>
-              <a:ea typeface="Arial Unicode MS" pitchFamily="34" charset="-128"/>
-              <a:cs typeface="Arial Unicode MS" pitchFamily="34" charset="-128"/>
-            </a:endParaRPr>
-          </a:p>
-        </p:txBody>
-      </p:sp>
-      <p:pic>
-        <p:nvPicPr>
-          <p:cNvPr id="6" name="Picture 4"/>
-          <p:cNvPicPr>
-            <a:picLocks noChangeAspect="1" noChangeArrowheads="1"/>
-          </p:cNvPicPr>
-          <p:nvPr/>
-        </p:nvPicPr>
-        <p:blipFill>
-          <a:blip r:embed="rId5">
-            <a:extLst>
-              <a:ext uri="{28A0092B-C50C-407E-A947-70E740481C1C}">
-                <a14:useLocalDpi xmlns:a14="http://schemas.microsoft.com/office/drawing/2010/main" val="0"/>
-              </a:ext>
-            </a:extLst>
-          </a:blip>
-          <a:srcRect/>
-          <a:stretch>
-            <a:fillRect/>
-          </a:stretch>
-        </p:blipFill>
-        <p:spPr bwMode="auto">
-          <a:xfrm>
-            <a:off x="236483" y="300251"/>
-            <a:ext cx="2255124" cy="1185473"/>
-          </a:xfrm>
-          <a:prstGeom prst="rect">
-            <a:avLst/>
-          </a:prstGeom>
-          <a:noFill/>
-          <a:ln>
-            <a:noFill/>
-          </a:ln>
-          <a:effectLst/>
-          <a:extLst>
-            <a:ext uri="{909E8E84-426E-40DD-AFC4-6F175D3DCCD1}">
-              <a14:hiddenFill xmlns:a14="http://schemas.microsoft.com/office/drawing/2010/main">
-                <a:solidFill>
-                  <a:schemeClr val="accent1"/>
-                </a:solidFill>
-              </a14:hiddenFill>
-            </a:ext>
-            <a:ext uri="{91240B29-F687-4F45-9708-019B960494DF}">
-              <a14:hiddenLine xmlns:a14="http://schemas.microsoft.com/office/drawing/2010/main" w="9525">
-                <a:solidFill>
-                  <a:schemeClr val="tx1"/>
-                </a:solidFill>
-                <a:miter lim="800000"/>
-                <a:headEnd/>
-                <a:tailEnd/>
-              </a14:hiddenLine>
-            </a:ext>
-            <a:ext uri="{AF507438-7753-43E0-B8FC-AC1667EBCBE1}">
-              <a14:hiddenEffects xmlns:a14="http://schemas.microsoft.com/office/drawing/2010/main">
-                <a:effectLst>
-                  <a:outerShdw dist="35921" dir="2700000" algn="ctr" rotWithShape="0">
-                    <a:schemeClr val="bg2"/>
-                  </a:outerShdw>
-                </a:effectLst>
-              </a14:hiddenEffects>
-            </a:ext>
-          </a:extLst>
-        </p:spPr>
-      </p:pic>
-    </p:spTree>
-    <p:extLst>
-      <p:ext uri="{BB962C8B-B14F-4D97-AF65-F5344CB8AC3E}">
-        <p14:creationId xmlns:p14="http://schemas.microsoft.com/office/powerpoint/2010/main" val="2410756597"/>
-      </p:ext>
-    </p:extLst>
-  </p:cSld>
-  <p:clrMapOvr>
-    <a:masterClrMapping/>
-  </p:clrMapOvr>
-  <mc:AlternateContent xmlns:mc="http://schemas.openxmlformats.org/markup-compatibility/2006" xmlns:p14="http://schemas.microsoft.com/office/powerpoint/2010/main">
-    <mc:Choice Requires="p14">
-      <p:transition spd="slow" p14:dur="2000"/>
-    </mc:Choice>
-    <mc:Fallback xmlns="">
-      <p:transition spd="slow"/>
-    </mc:Fallback>
-  </mc:AlternateContent>
-  <p:timing>
-    <p:tnLst>
-      <p:par>
-        <p:cTn id="1" dur="indefinite" restart="never" nodeType="tmRoot"/>
-      </p:par>
-    </p:tnLst>
-  </p:timing>
-</p:sld>
-</file>
-
-<file path=ppt/slides/slide11.xml><?xml version="1.0" encoding="utf-8"?>
-<p:sld xmlns:a="http://schemas.openxmlformats.org/drawingml/2006/main" xmlns:r="http://schemas.openxmlformats.org/officeDocument/2006/relationships" xmlns:p="http://schemas.openxmlformats.org/presentationml/2006/main" show="0">
-  <p:cSld>
-    <p:spTree>
-      <p:nvGrpSpPr>
-        <p:cNvPr id="1" name="Shape 64"/>
-        <p:cNvGrpSpPr/>
-        <p:nvPr/>
-      </p:nvGrpSpPr>
-      <p:grpSpPr>
-        <a:xfrm>
-          <a:off x="0" y="0"/>
-          <a:ext cx="0" cy="0"/>
-          <a:chOff x="0" y="0"/>
-          <a:chExt cx="0" cy="0"/>
-        </a:xfrm>
-      </p:grpSpPr>
-      <p:pic>
-        <p:nvPicPr>
-          <p:cNvPr id="1026" name="Picture 2"/>
-          <p:cNvPicPr>
-            <a:picLocks noChangeAspect="1" noChangeArrowheads="1"/>
-          </p:cNvPicPr>
-          <p:nvPr/>
-        </p:nvPicPr>
-        <p:blipFill rotWithShape="1">
-          <a:blip r:embed="rId3">
-            <a:extLst>
-              <a:ext uri="{28A0092B-C50C-407E-A947-70E740481C1C}">
-                <a14:useLocalDpi xmlns:a14="http://schemas.microsoft.com/office/drawing/2010/main" val="0"/>
-              </a:ext>
-            </a:extLst>
-          </a:blip>
-          <a:srcRect l="80138" t="18750" r="9931" b="15302"/>
-          <a:stretch/>
-        </p:blipFill>
-        <p:spPr bwMode="auto">
-          <a:xfrm>
-            <a:off x="10899871" y="-110360"/>
-            <a:ext cx="1292129" cy="6968359"/>
-          </a:xfrm>
-          <a:prstGeom prst="rect">
-            <a:avLst/>
-          </a:prstGeom>
-          <a:noFill/>
-          <a:ln>
-            <a:noFill/>
-          </a:ln>
-          <a:effectLst/>
-          <a:extLst>
-            <a:ext uri="{909E8E84-426E-40DD-AFC4-6F175D3DCCD1}">
-              <a14:hiddenFill xmlns:a14="http://schemas.microsoft.com/office/drawing/2010/main">
-                <a:solidFill>
-                  <a:schemeClr val="accent1"/>
-                </a:solidFill>
-              </a14:hiddenFill>
-            </a:ext>
-            <a:ext uri="{91240B29-F687-4F45-9708-019B960494DF}">
-              <a14:hiddenLine xmlns:a14="http://schemas.microsoft.com/office/drawing/2010/main" w="9525">
-                <a:solidFill>
-                  <a:schemeClr val="tx1"/>
-                </a:solidFill>
-                <a:miter lim="800000"/>
-                <a:headEnd/>
-                <a:tailEnd/>
-              </a14:hiddenLine>
-            </a:ext>
-            <a:ext uri="{AF507438-7753-43E0-B8FC-AC1667EBCBE1}">
-              <a14:hiddenEffects xmlns:a14="http://schemas.microsoft.com/office/drawing/2010/main">
-                <a:effectLst>
-                  <a:outerShdw dist="35921" dir="2700000" algn="ctr" rotWithShape="0">
-                    <a:schemeClr val="bg2"/>
-                  </a:outerShdw>
-                </a:effectLst>
-              </a14:hiddenEffects>
-            </a:ext>
-          </a:extLst>
-        </p:spPr>
-      </p:pic>
-      <p:pic>
-        <p:nvPicPr>
-          <p:cNvPr id="8" name="Google Shape;60;p14"/>
-          <p:cNvPicPr preferRelativeResize="0"/>
-          <p:nvPr/>
-        </p:nvPicPr>
-        <p:blipFill>
-          <a:blip r:embed="rId4">
-            <a:alphaModFix/>
-          </a:blip>
-          <a:stretch>
-            <a:fillRect/>
-          </a:stretch>
-        </p:blipFill>
-        <p:spPr>
-          <a:xfrm>
-            <a:off x="195568" y="4450463"/>
-            <a:ext cx="2248076" cy="2279411"/>
-          </a:xfrm>
-          <a:prstGeom prst="rect">
-            <a:avLst/>
-          </a:prstGeom>
-          <a:noFill/>
-          <a:ln>
-            <a:noFill/>
-          </a:ln>
-        </p:spPr>
-      </p:pic>
-      <p:sp>
-        <p:nvSpPr>
-          <p:cNvPr id="9" name="Google Shape;65;p15"/>
-          <p:cNvSpPr txBox="1">
-            <a:spLocks noGrp="1"/>
-          </p:cNvSpPr>
-          <p:nvPr>
-            <p:ph type="title"/>
-          </p:nvPr>
-        </p:nvSpPr>
-        <p:spPr>
-          <a:xfrm>
-            <a:off x="838200" y="365125"/>
-            <a:ext cx="9929648" cy="1325700"/>
-          </a:xfrm>
-          <a:prstGeom prst="rect">
-            <a:avLst/>
-          </a:prstGeom>
-        </p:spPr>
-        <p:txBody>
-          <a:bodyPr spcFirstLastPara="1" wrap="square" lIns="91425" tIns="45700" rIns="91425" bIns="45700" anchor="ctr" anchorCtr="0">
-            <a:noAutofit/>
-          </a:bodyPr>
-          <a:lstStyle/>
-          <a:p>
-            <a:pPr marL="0" lvl="0" indent="0" algn="ctr">
-              <a:spcBef>
-                <a:spcPts val="0"/>
-              </a:spcBef>
-              <a:spcAft>
-                <a:spcPts val="0"/>
-              </a:spcAft>
-              <a:buNone/>
-            </a:pPr>
-            <a:r>
-              <a:rPr lang="ar-SA" b="1" dirty="0" smtClean="0">
-                <a:solidFill>
-                  <a:srgbClr val="002060"/>
-                </a:solidFill>
-                <a:latin typeface="Arial Unicode MS" pitchFamily="34" charset="-128"/>
-                <a:ea typeface="Arial Unicode MS" pitchFamily="34" charset="-128"/>
-                <a:cs typeface="Arial Unicode MS" pitchFamily="34" charset="-128"/>
-              </a:rPr>
-              <a:t>نظام أوجدني</a:t>
-            </a:r>
-            <a:endParaRPr b="1" dirty="0">
-              <a:solidFill>
-                <a:srgbClr val="002060"/>
-              </a:solidFill>
-              <a:latin typeface="Arial Unicode MS" pitchFamily="34" charset="-128"/>
-              <a:ea typeface="Arial Unicode MS" pitchFamily="34" charset="-128"/>
-              <a:cs typeface="Arial Unicode MS" pitchFamily="34" charset="-128"/>
-            </a:endParaRPr>
-          </a:p>
-        </p:txBody>
-      </p:sp>
-      <p:sp>
-        <p:nvSpPr>
-          <p:cNvPr id="2" name="Text Placeholder 1"/>
-          <p:cNvSpPr>
-            <a:spLocks noGrp="1"/>
-          </p:cNvSpPr>
-          <p:nvPr>
-            <p:ph type="body" idx="1"/>
-          </p:nvPr>
-        </p:nvSpPr>
-        <p:spPr/>
-        <p:txBody>
-          <a:bodyPr/>
-          <a:lstStyle/>
-          <a:p>
-            <a:pPr marL="0" indent="0" algn="r" rtl="1">
-              <a:spcAft>
-                <a:spcPts val="2100"/>
-              </a:spcAft>
-              <a:buNone/>
-            </a:pPr>
-            <a:r>
-              <a:rPr lang="ar-SA" sz="2000" dirty="0">
-                <a:solidFill>
-                  <a:schemeClr val="tx1"/>
-                </a:solidFill>
-                <a:latin typeface="Arial Unicode MS" pitchFamily="34" charset="-128"/>
-                <a:ea typeface="Arial Unicode MS" pitchFamily="34" charset="-128"/>
-                <a:cs typeface="Arial Unicode MS" pitchFamily="34" charset="-128"/>
-              </a:rPr>
-              <a:t>يمكن من خلالها إنشاء المستخدمين وإدارة الصلاحيات وما إلى ذلك .</a:t>
-            </a:r>
-          </a:p>
-          <a:p>
-            <a:pPr marL="800100" lvl="1" indent="-342900" algn="r" rtl="1">
-              <a:spcAft>
-                <a:spcPts val="2100"/>
-              </a:spcAft>
-            </a:pPr>
-            <a:r>
-              <a:rPr lang="ar-SA" sz="2000" b="1" dirty="0">
-                <a:solidFill>
-                  <a:schemeClr val="tx1"/>
-                </a:solidFill>
-                <a:latin typeface="Arial Unicode MS" pitchFamily="34" charset="-128"/>
-                <a:ea typeface="Arial Unicode MS" pitchFamily="34" charset="-128"/>
-                <a:cs typeface="Arial Unicode MS" pitchFamily="34" charset="-128"/>
-              </a:rPr>
-              <a:t>شاشات </a:t>
-            </a:r>
-            <a:r>
-              <a:rPr lang="ar-SA" sz="2000" b="1" dirty="0">
-                <a:solidFill>
-                  <a:srgbClr val="FF0000"/>
-                </a:solidFill>
-                <a:latin typeface="Arial Unicode MS" pitchFamily="34" charset="-128"/>
-                <a:ea typeface="Arial Unicode MS" pitchFamily="34" charset="-128"/>
-                <a:cs typeface="Arial Unicode MS" pitchFamily="34" charset="-128"/>
-              </a:rPr>
-              <a:t>مكاتب شؤون الحج</a:t>
-            </a:r>
-            <a:r>
-              <a:rPr lang="ar-SA" sz="2000" dirty="0">
-                <a:solidFill>
-                  <a:schemeClr val="tx1"/>
-                </a:solidFill>
-                <a:latin typeface="Arial Unicode MS" pitchFamily="34" charset="-128"/>
-                <a:ea typeface="Arial Unicode MS" pitchFamily="34" charset="-128"/>
-                <a:cs typeface="Arial Unicode MS" pitchFamily="34" charset="-128"/>
-              </a:rPr>
-              <a:t/>
-            </a:r>
-            <a:br>
-              <a:rPr lang="ar-SA" sz="2000" dirty="0">
-                <a:solidFill>
-                  <a:schemeClr val="tx1"/>
-                </a:solidFill>
-                <a:latin typeface="Arial Unicode MS" pitchFamily="34" charset="-128"/>
-                <a:ea typeface="Arial Unicode MS" pitchFamily="34" charset="-128"/>
-                <a:cs typeface="Arial Unicode MS" pitchFamily="34" charset="-128"/>
-              </a:rPr>
-            </a:br>
-            <a:r>
-              <a:rPr lang="ar-SA" sz="2000" dirty="0">
-                <a:solidFill>
-                  <a:schemeClr val="tx1"/>
-                </a:solidFill>
-                <a:latin typeface="Arial Unicode MS" pitchFamily="34" charset="-128"/>
-                <a:ea typeface="Arial Unicode MS" pitchFamily="34" charset="-128"/>
-                <a:cs typeface="Arial Unicode MS" pitchFamily="34" charset="-128"/>
-              </a:rPr>
-              <a:t>يمكن من خلالها إضافة الحجاج وإدارة بياناتهم وطباعة الكيو آر كود الخاص بهم والرد على الملاحظات إن وجدت عليهم خلال موسم الحج .</a:t>
-            </a:r>
-          </a:p>
-          <a:p>
-            <a:pPr marL="0" indent="0" algn="r" rtl="1">
-              <a:spcAft>
-                <a:spcPts val="2100"/>
-              </a:spcAft>
-              <a:buNone/>
-            </a:pPr>
-            <a:r>
-              <a:rPr lang="ar-SA" sz="2000" u="sng" dirty="0">
-                <a:solidFill>
-                  <a:schemeClr val="tx1"/>
-                </a:solidFill>
-                <a:latin typeface="Arial Unicode MS" pitchFamily="34" charset="-128"/>
-                <a:ea typeface="Arial Unicode MS" pitchFamily="34" charset="-128"/>
-                <a:cs typeface="Arial Unicode MS" pitchFamily="34" charset="-128"/>
-              </a:rPr>
-              <a:t/>
-            </a:r>
-            <a:br>
-              <a:rPr lang="ar-SA" sz="2000" u="sng" dirty="0">
-                <a:solidFill>
-                  <a:schemeClr val="tx1"/>
-                </a:solidFill>
-                <a:latin typeface="Arial Unicode MS" pitchFamily="34" charset="-128"/>
-                <a:ea typeface="Arial Unicode MS" pitchFamily="34" charset="-128"/>
-                <a:cs typeface="Arial Unicode MS" pitchFamily="34" charset="-128"/>
-              </a:rPr>
-            </a:br>
-            <a:r>
-              <a:rPr lang="ar-SA" sz="2000" dirty="0">
-                <a:solidFill>
-                  <a:schemeClr val="tx1"/>
-                </a:solidFill>
-                <a:latin typeface="Arial Unicode MS" pitchFamily="34" charset="-128"/>
-                <a:ea typeface="Arial Unicode MS" pitchFamily="34" charset="-128"/>
-                <a:cs typeface="Arial Unicode MS" pitchFamily="34" charset="-128"/>
-              </a:rPr>
-              <a:t>يمكن المشرفين والجهات المعنية أو المساعدة من الوصول لبيانات الحاج أو مفقوداته والمكتب التابع له لإرشاده أو إسعافه أو التبليغ بملاحظة عنه تظهر للمسؤولين عنه.</a:t>
-            </a:r>
-            <a:endParaRPr lang="ar-SA" sz="2000" u="sng" dirty="0">
-              <a:solidFill>
-                <a:schemeClr val="tx1"/>
-              </a:solidFill>
-              <a:latin typeface="Arial Unicode MS" pitchFamily="34" charset="-128"/>
-              <a:ea typeface="Arial Unicode MS" pitchFamily="34" charset="-128"/>
-              <a:cs typeface="Arial Unicode MS" pitchFamily="34" charset="-128"/>
-            </a:endParaRPr>
-          </a:p>
-          <a:p>
-            <a:endParaRPr lang="en-US" dirty="0"/>
-          </a:p>
-        </p:txBody>
-      </p:sp>
-      <p:pic>
-        <p:nvPicPr>
-          <p:cNvPr id="6" name="Picture 4"/>
-          <p:cNvPicPr>
-            <a:picLocks noChangeAspect="1" noChangeArrowheads="1"/>
-          </p:cNvPicPr>
-          <p:nvPr/>
-        </p:nvPicPr>
-        <p:blipFill>
-          <a:blip r:embed="rId5">
-            <a:extLst>
-              <a:ext uri="{28A0092B-C50C-407E-A947-70E740481C1C}">
-                <a14:useLocalDpi xmlns:a14="http://schemas.microsoft.com/office/drawing/2010/main" val="0"/>
-              </a:ext>
-            </a:extLst>
-          </a:blip>
-          <a:srcRect/>
-          <a:stretch>
-            <a:fillRect/>
-          </a:stretch>
-        </p:blipFill>
-        <p:spPr bwMode="auto">
-          <a:xfrm>
-            <a:off x="236483" y="300251"/>
-            <a:ext cx="2255124" cy="1185473"/>
-          </a:xfrm>
-          <a:prstGeom prst="rect">
-            <a:avLst/>
-          </a:prstGeom>
-          <a:noFill/>
-          <a:ln>
-            <a:noFill/>
-          </a:ln>
-          <a:effectLst/>
-          <a:extLst>
-            <a:ext uri="{909E8E84-426E-40DD-AFC4-6F175D3DCCD1}">
-              <a14:hiddenFill xmlns:a14="http://schemas.microsoft.com/office/drawing/2010/main">
-                <a:solidFill>
-                  <a:schemeClr val="accent1"/>
-                </a:solidFill>
-              </a14:hiddenFill>
-            </a:ext>
-            <a:ext uri="{91240B29-F687-4F45-9708-019B960494DF}">
-              <a14:hiddenLine xmlns:a14="http://schemas.microsoft.com/office/drawing/2010/main" w="9525">
-                <a:solidFill>
-                  <a:schemeClr val="tx1"/>
-                </a:solidFill>
-                <a:miter lim="800000"/>
-                <a:headEnd/>
-                <a:tailEnd/>
-              </a14:hiddenLine>
-            </a:ext>
-            <a:ext uri="{AF507438-7753-43E0-B8FC-AC1667EBCBE1}">
-              <a14:hiddenEffects xmlns:a14="http://schemas.microsoft.com/office/drawing/2010/main">
-                <a:effectLst>
-                  <a:outerShdw dist="35921" dir="2700000" algn="ctr" rotWithShape="0">
-                    <a:schemeClr val="bg2"/>
-                  </a:outerShdw>
-                </a:effectLst>
-              </a14:hiddenEffects>
-            </a:ext>
-          </a:extLst>
-        </p:spPr>
-      </p:pic>
-    </p:spTree>
-    <p:extLst>
-      <p:ext uri="{BB962C8B-B14F-4D97-AF65-F5344CB8AC3E}">
-        <p14:creationId xmlns:p14="http://schemas.microsoft.com/office/powerpoint/2010/main" val="2889680900"/>
-      </p:ext>
-    </p:extLst>
-  </p:cSld>
-  <p:clrMapOvr>
-    <a:masterClrMapping/>
-  </p:clrMapOvr>
-  <mc:AlternateContent xmlns:mc="http://schemas.openxmlformats.org/markup-compatibility/2006" xmlns:p14="http://schemas.microsoft.com/office/powerpoint/2010/main">
-    <mc:Choice Requires="p14">
-      <p:transition spd="slow" p14:dur="2000"/>
-    </mc:Choice>
-    <mc:Fallback xmlns="">
-      <p:transition spd="slow"/>
-    </mc:Fallback>
-  </mc:AlternateContent>
-  <p:timing>
-    <p:tnLst>
-      <p:par>
-        <p:cTn id="1" dur="indefinite" restart="never" nodeType="tmRoot"/>
-      </p:par>
-    </p:tnLst>
-  </p:timing>
-</p:sld>
-</file>
-
-<file path=ppt/slides/slide12.xml><?xml version="1.0" encoding="utf-8"?>
-<p:sld xmlns:a="http://schemas.openxmlformats.org/drawingml/2006/main" xmlns:r="http://schemas.openxmlformats.org/officeDocument/2006/relationships" xmlns:p="http://schemas.openxmlformats.org/presentationml/2006/main" show="0">
-  <p:cSld>
-    <p:spTree>
-      <p:nvGrpSpPr>
-        <p:cNvPr id="1" name="Shape 64"/>
-        <p:cNvGrpSpPr/>
-        <p:nvPr/>
-      </p:nvGrpSpPr>
-      <p:grpSpPr>
-        <a:xfrm>
-          <a:off x="0" y="0"/>
-          <a:ext cx="0" cy="0"/>
-          <a:chOff x="0" y="0"/>
-          <a:chExt cx="0" cy="0"/>
-        </a:xfrm>
-      </p:grpSpPr>
-      <p:sp>
-        <p:nvSpPr>
-          <p:cNvPr id="65" name="Google Shape;65;p15"/>
-          <p:cNvSpPr txBox="1">
-            <a:spLocks noGrp="1"/>
-          </p:cNvSpPr>
-          <p:nvPr>
-            <p:ph type="title"/>
-          </p:nvPr>
-        </p:nvSpPr>
-        <p:spPr>
-          <a:xfrm>
-            <a:off x="838200" y="365125"/>
-            <a:ext cx="10515600" cy="1325700"/>
-          </a:xfrm>
-          <a:prstGeom prst="rect">
-            <a:avLst/>
-          </a:prstGeom>
-        </p:spPr>
-        <p:txBody>
-          <a:bodyPr spcFirstLastPara="1" wrap="square" lIns="91425" tIns="45700" rIns="91425" bIns="45700" anchor="ctr" anchorCtr="0">
-            <a:noAutofit/>
-          </a:bodyPr>
-          <a:lstStyle/>
-          <a:p>
-            <a:pPr marL="0" lvl="0" indent="0" algn="ctr">
-              <a:spcBef>
-                <a:spcPts val="0"/>
-              </a:spcBef>
-              <a:spcAft>
-                <a:spcPts val="0"/>
-              </a:spcAft>
-              <a:buNone/>
-            </a:pPr>
-            <a:r>
-              <a:rPr lang="ar-SA" b="1" dirty="0">
-                <a:solidFill>
-                  <a:srgbClr val="002060"/>
-                </a:solidFill>
-                <a:latin typeface="Arial Unicode MS" pitchFamily="34" charset="-128"/>
-                <a:ea typeface="Arial Unicode MS" pitchFamily="34" charset="-128"/>
-                <a:cs typeface="Arial Unicode MS" pitchFamily="34" charset="-128"/>
-              </a:rPr>
-              <a:t>نظام أوجدني</a:t>
-            </a:r>
-            <a:endParaRPr b="1" dirty="0">
-              <a:solidFill>
-                <a:srgbClr val="002060"/>
-              </a:solidFill>
-              <a:latin typeface="Arial Unicode MS" pitchFamily="34" charset="-128"/>
-              <a:ea typeface="Arial Unicode MS" pitchFamily="34" charset="-128"/>
-              <a:cs typeface="Arial Unicode MS" pitchFamily="34" charset="-128"/>
-            </a:endParaRPr>
-          </a:p>
-        </p:txBody>
-      </p:sp>
-      <p:sp>
-        <p:nvSpPr>
-          <p:cNvPr id="66" name="Google Shape;66;p15"/>
-          <p:cNvSpPr txBox="1">
-            <a:spLocks noGrp="1"/>
-          </p:cNvSpPr>
-          <p:nvPr>
-            <p:ph type="body" idx="1"/>
-          </p:nvPr>
-        </p:nvSpPr>
-        <p:spPr>
-          <a:xfrm>
-            <a:off x="838200" y="1825625"/>
-            <a:ext cx="10515600" cy="4351200"/>
-          </a:xfrm>
-          <a:prstGeom prst="rect">
-            <a:avLst/>
-          </a:prstGeom>
-        </p:spPr>
-        <p:txBody>
-          <a:bodyPr spcFirstLastPara="1" wrap="square" lIns="91425" tIns="45700" rIns="91425" bIns="45700" anchor="t" anchorCtr="0">
-            <a:noAutofit/>
-          </a:bodyPr>
-          <a:lstStyle/>
-          <a:p>
-            <a:pPr marL="0" lvl="0" indent="0" algn="r" rtl="1">
-              <a:spcBef>
-                <a:spcPts val="1000"/>
-              </a:spcBef>
-              <a:spcAft>
-                <a:spcPts val="0"/>
-              </a:spcAft>
-              <a:buNone/>
-            </a:pPr>
-            <a:r>
-              <a:rPr lang="ar-SA" sz="2000" b="1" dirty="0" smtClean="0">
-                <a:solidFill>
-                  <a:srgbClr val="002060"/>
-                </a:solidFill>
-                <a:latin typeface="Arial Unicode MS" pitchFamily="34" charset="-128"/>
-                <a:ea typeface="Arial Unicode MS" pitchFamily="34" charset="-128"/>
-                <a:cs typeface="Arial Unicode MS" pitchFamily="34" charset="-128"/>
-              </a:rPr>
-              <a:t>الخطوة </a:t>
-            </a:r>
-            <a:r>
-              <a:rPr lang="ar-SA" sz="2000" b="1" dirty="0">
-                <a:solidFill>
-                  <a:srgbClr val="002060"/>
-                </a:solidFill>
-                <a:latin typeface="Arial Unicode MS" pitchFamily="34" charset="-128"/>
-                <a:ea typeface="Arial Unicode MS" pitchFamily="34" charset="-128"/>
-                <a:cs typeface="Arial Unicode MS" pitchFamily="34" charset="-128"/>
-              </a:rPr>
-              <a:t>الأولى :</a:t>
-            </a:r>
-            <a:r>
-              <a:rPr lang="ar-SA" sz="2000" b="1" dirty="0">
-                <a:solidFill>
-                  <a:srgbClr val="1C4587"/>
-                </a:solidFill>
-                <a:latin typeface="Arial Unicode MS" pitchFamily="34" charset="-128"/>
-                <a:ea typeface="Arial Unicode MS" pitchFamily="34" charset="-128"/>
-                <a:cs typeface="Arial Unicode MS" pitchFamily="34" charset="-128"/>
-              </a:rPr>
-              <a:t/>
-            </a:r>
-            <a:br>
-              <a:rPr lang="ar-SA" sz="2000" b="1" dirty="0">
-                <a:solidFill>
-                  <a:srgbClr val="1C4587"/>
-                </a:solidFill>
-                <a:latin typeface="Arial Unicode MS" pitchFamily="34" charset="-128"/>
-                <a:ea typeface="Arial Unicode MS" pitchFamily="34" charset="-128"/>
-                <a:cs typeface="Arial Unicode MS" pitchFamily="34" charset="-128"/>
-              </a:rPr>
-            </a:br>
-            <a:endParaRPr lang="ar-SA" sz="2000" b="1" dirty="0">
-              <a:solidFill>
-                <a:srgbClr val="1C4587"/>
-              </a:solidFill>
-              <a:latin typeface="Arial Unicode MS" pitchFamily="34" charset="-128"/>
-              <a:ea typeface="Arial Unicode MS" pitchFamily="34" charset="-128"/>
-              <a:cs typeface="Arial Unicode MS" pitchFamily="34" charset="-128"/>
-            </a:endParaRPr>
-          </a:p>
-        </p:txBody>
-      </p:sp>
-      <p:pic>
-        <p:nvPicPr>
-          <p:cNvPr id="3" name="صورة 2">
-            <a:extLst>
-              <a:ext uri="{FF2B5EF4-FFF2-40B4-BE49-F238E27FC236}">
-                <a16:creationId xmlns:a16="http://schemas.microsoft.com/office/drawing/2014/main" xmlns="" id="{15B1AB0C-AE2D-4E41-BA55-916FC7076A46}"/>
-              </a:ext>
-            </a:extLst>
-          </p:cNvPr>
-          <p:cNvPicPr>
-            <a:picLocks noChangeAspect="1"/>
-          </p:cNvPicPr>
-          <p:nvPr/>
-        </p:nvPicPr>
-        <p:blipFill>
-          <a:blip r:embed="rId3"/>
-          <a:stretch>
-            <a:fillRect/>
-          </a:stretch>
-        </p:blipFill>
-        <p:spPr>
-          <a:xfrm>
-            <a:off x="1081666" y="2450558"/>
-            <a:ext cx="7920000" cy="3960001"/>
-          </a:xfrm>
-          <a:prstGeom prst="rect">
-            <a:avLst/>
-          </a:prstGeom>
-        </p:spPr>
-      </p:pic>
-      <p:pic>
-        <p:nvPicPr>
-          <p:cNvPr id="5" name="Picture 4"/>
-          <p:cNvPicPr>
-            <a:picLocks noChangeAspect="1" noChangeArrowheads="1"/>
-          </p:cNvPicPr>
-          <p:nvPr/>
-        </p:nvPicPr>
-        <p:blipFill>
-          <a:blip r:embed="rId4">
-            <a:extLst>
-              <a:ext uri="{28A0092B-C50C-407E-A947-70E740481C1C}">
-                <a14:useLocalDpi xmlns:a14="http://schemas.microsoft.com/office/drawing/2010/main" val="0"/>
-              </a:ext>
-            </a:extLst>
-          </a:blip>
-          <a:srcRect/>
-          <a:stretch>
-            <a:fillRect/>
-          </a:stretch>
-        </p:blipFill>
-        <p:spPr bwMode="auto">
-          <a:xfrm>
-            <a:off x="236483" y="300251"/>
-            <a:ext cx="2255124" cy="1185473"/>
-          </a:xfrm>
-          <a:prstGeom prst="rect">
-            <a:avLst/>
-          </a:prstGeom>
-          <a:noFill/>
-          <a:ln>
-            <a:noFill/>
-          </a:ln>
-          <a:effectLst/>
-          <a:extLst>
-            <a:ext uri="{909E8E84-426E-40DD-AFC4-6F175D3DCCD1}">
-              <a14:hiddenFill xmlns:a14="http://schemas.microsoft.com/office/drawing/2010/main">
-                <a:solidFill>
-                  <a:schemeClr val="accent1"/>
-                </a:solidFill>
-              </a14:hiddenFill>
-            </a:ext>
-            <a:ext uri="{91240B29-F687-4F45-9708-019B960494DF}">
-              <a14:hiddenLine xmlns:a14="http://schemas.microsoft.com/office/drawing/2010/main" w="9525">
-                <a:solidFill>
-                  <a:schemeClr val="tx1"/>
-                </a:solidFill>
-                <a:miter lim="800000"/>
-                <a:headEnd/>
-                <a:tailEnd/>
-              </a14:hiddenLine>
-            </a:ext>
-            <a:ext uri="{AF507438-7753-43E0-B8FC-AC1667EBCBE1}">
-              <a14:hiddenEffects xmlns:a14="http://schemas.microsoft.com/office/drawing/2010/main">
-                <a:effectLst>
-                  <a:outerShdw dist="35921" dir="2700000" algn="ctr" rotWithShape="0">
-                    <a:schemeClr val="bg2"/>
-                  </a:outerShdw>
-                </a:effectLst>
-              </a14:hiddenEffects>
-            </a:ext>
-          </a:extLst>
-        </p:spPr>
-      </p:pic>
-    </p:spTree>
-    <p:extLst>
-      <p:ext uri="{BB962C8B-B14F-4D97-AF65-F5344CB8AC3E}">
-        <p14:creationId xmlns:p14="http://schemas.microsoft.com/office/powerpoint/2010/main" val="2297531863"/>
-      </p:ext>
-    </p:extLst>
-  </p:cSld>
-  <p:clrMapOvr>
-    <a:masterClrMapping/>
-  </p:clrMapOvr>
-  <mc:AlternateContent xmlns:mc="http://schemas.openxmlformats.org/markup-compatibility/2006" xmlns:p14="http://schemas.microsoft.com/office/powerpoint/2010/main">
-    <mc:Choice Requires="p14">
-      <p:transition spd="slow" p14:dur="2000"/>
-    </mc:Choice>
-    <mc:Fallback xmlns="">
-      <p:transition spd="slow"/>
-    </mc:Fallback>
-  </mc:AlternateContent>
-  <p:timing>
-    <p:tnLst>
-      <p:par>
-        <p:cTn id="1" dur="indefinite" restart="never" nodeType="tmRoot"/>
-      </p:par>
-    </p:tnLst>
-  </p:timing>
-</p:sld>
-</file>
-
-<file path=ppt/slides/slide13.xml><?xml version="1.0" encoding="utf-8"?>
-<p:sld xmlns:a="http://schemas.openxmlformats.org/drawingml/2006/main" xmlns:r="http://schemas.openxmlformats.org/officeDocument/2006/relationships" xmlns:p="http://schemas.openxmlformats.org/presentationml/2006/main" show="0">
-  <p:cSld>
-    <p:spTree>
-      <p:nvGrpSpPr>
-        <p:cNvPr id="1" name="Shape 64"/>
-        <p:cNvGrpSpPr/>
-        <p:nvPr/>
-      </p:nvGrpSpPr>
-      <p:grpSpPr>
-        <a:xfrm>
-          <a:off x="0" y="0"/>
-          <a:ext cx="0" cy="0"/>
-          <a:chOff x="0" y="0"/>
-          <a:chExt cx="0" cy="0"/>
-        </a:xfrm>
-      </p:grpSpPr>
-      <p:sp>
-        <p:nvSpPr>
-          <p:cNvPr id="65" name="Google Shape;65;p15"/>
-          <p:cNvSpPr txBox="1">
-            <a:spLocks noGrp="1"/>
-          </p:cNvSpPr>
-          <p:nvPr>
-            <p:ph type="title"/>
-          </p:nvPr>
-        </p:nvSpPr>
-        <p:spPr>
-          <a:xfrm>
-            <a:off x="838200" y="365125"/>
-            <a:ext cx="10515600" cy="1325700"/>
-          </a:xfrm>
-          <a:prstGeom prst="rect">
-            <a:avLst/>
-          </a:prstGeom>
-        </p:spPr>
-        <p:txBody>
-          <a:bodyPr spcFirstLastPara="1" wrap="square" lIns="91425" tIns="45700" rIns="91425" bIns="45700" anchor="ctr" anchorCtr="0">
-            <a:noAutofit/>
-          </a:bodyPr>
-          <a:lstStyle/>
-          <a:p>
-            <a:pPr marL="0" lvl="0" indent="0" algn="ctr">
-              <a:spcBef>
-                <a:spcPts val="0"/>
-              </a:spcBef>
-              <a:spcAft>
-                <a:spcPts val="0"/>
-              </a:spcAft>
-              <a:buNone/>
-            </a:pPr>
-            <a:r>
-              <a:rPr lang="ar-SA" b="1" dirty="0">
-                <a:solidFill>
-                  <a:srgbClr val="002060"/>
-                </a:solidFill>
-                <a:latin typeface="GE SS Two Bold" panose="020A0503020102020204" pitchFamily="18" charset="-78"/>
-                <a:ea typeface="GE SS Two Bold" panose="020A0503020102020204" pitchFamily="18" charset="-78"/>
-                <a:cs typeface="GE SS Two Bold" panose="020A0503020102020204" pitchFamily="18" charset="-78"/>
-              </a:rPr>
-              <a:t>نظام أوجدني</a:t>
-            </a:r>
-            <a:endParaRPr b="1" dirty="0">
-              <a:solidFill>
-                <a:srgbClr val="002060"/>
-              </a:solidFill>
-              <a:latin typeface="GE SS Two Bold" panose="020A0503020102020204" pitchFamily="18" charset="-78"/>
-              <a:ea typeface="GE SS Two Bold" panose="020A0503020102020204" pitchFamily="18" charset="-78"/>
-              <a:cs typeface="GE SS Two Bold" panose="020A0503020102020204" pitchFamily="18" charset="-78"/>
-            </a:endParaRPr>
-          </a:p>
-        </p:txBody>
-      </p:sp>
-      <p:sp>
-        <p:nvSpPr>
-          <p:cNvPr id="66" name="Google Shape;66;p15"/>
-          <p:cNvSpPr txBox="1">
-            <a:spLocks noGrp="1"/>
-          </p:cNvSpPr>
-          <p:nvPr>
-            <p:ph type="body" idx="1"/>
-          </p:nvPr>
-        </p:nvSpPr>
-        <p:spPr>
-          <a:xfrm>
-            <a:off x="838200" y="1825625"/>
-            <a:ext cx="10515600" cy="4351200"/>
-          </a:xfrm>
-          <a:prstGeom prst="rect">
-            <a:avLst/>
-          </a:prstGeom>
-        </p:spPr>
-        <p:txBody>
-          <a:bodyPr spcFirstLastPara="1" wrap="square" lIns="91425" tIns="45700" rIns="91425" bIns="45700" anchor="t" anchorCtr="0">
-            <a:noAutofit/>
-          </a:bodyPr>
-          <a:lstStyle/>
-          <a:p>
-            <a:pPr marL="0" lvl="0" indent="0" algn="r" rtl="1">
-              <a:spcBef>
-                <a:spcPts val="1000"/>
-              </a:spcBef>
-              <a:spcAft>
-                <a:spcPts val="0"/>
-              </a:spcAft>
-              <a:buNone/>
-            </a:pPr>
-            <a:r>
-              <a:rPr lang="ar-SA" sz="2400" b="1" u="sng" dirty="0">
-                <a:solidFill>
-                  <a:srgbClr val="002060"/>
-                </a:solidFill>
-                <a:latin typeface="GE SS Two Bold" panose="020A0503020102020204" pitchFamily="18" charset="-78"/>
-                <a:ea typeface="GE SS Two Bold" panose="020A0503020102020204" pitchFamily="18" charset="-78"/>
-                <a:cs typeface="GE SS Two Bold" panose="020A0503020102020204" pitchFamily="18" charset="-78"/>
-              </a:rPr>
-              <a:t>شرح آلية عمل النظام بالصور :</a:t>
-            </a:r>
-          </a:p>
-          <a:p>
-            <a:pPr marL="0" lvl="0" indent="0" algn="r" rtl="1">
-              <a:spcBef>
-                <a:spcPts val="1000"/>
-              </a:spcBef>
-              <a:spcAft>
-                <a:spcPts val="0"/>
-              </a:spcAft>
-              <a:buNone/>
-            </a:pPr>
-            <a:r>
-              <a:rPr lang="ar-SA" sz="2400" b="1" dirty="0">
-                <a:solidFill>
-                  <a:srgbClr val="002060"/>
-                </a:solidFill>
-                <a:latin typeface="GE SS Two Bold" panose="020A0503020102020204" pitchFamily="18" charset="-78"/>
-                <a:ea typeface="GE SS Two Bold" panose="020A0503020102020204" pitchFamily="18" charset="-78"/>
-                <a:cs typeface="GE SS Two Bold" panose="020A0503020102020204" pitchFamily="18" charset="-78"/>
-              </a:rPr>
-              <a:t>الخطوة الثانية :</a:t>
-            </a:r>
-            <a:r>
-              <a:rPr lang="ar-SA" sz="2400" b="1" dirty="0">
-                <a:solidFill>
-                  <a:srgbClr val="1C4587"/>
-                </a:solidFill>
-                <a:latin typeface="GE SS Two Bold" panose="020A0503020102020204" pitchFamily="18" charset="-78"/>
-                <a:ea typeface="GE SS Two Bold" panose="020A0503020102020204" pitchFamily="18" charset="-78"/>
-                <a:cs typeface="GE SS Two Bold" panose="020A0503020102020204" pitchFamily="18" charset="-78"/>
-              </a:rPr>
-              <a:t/>
-            </a:r>
-            <a:br>
-              <a:rPr lang="ar-SA" sz="2400" b="1" dirty="0">
-                <a:solidFill>
-                  <a:srgbClr val="1C4587"/>
-                </a:solidFill>
-                <a:latin typeface="GE SS Two Bold" panose="020A0503020102020204" pitchFamily="18" charset="-78"/>
-                <a:ea typeface="GE SS Two Bold" panose="020A0503020102020204" pitchFamily="18" charset="-78"/>
-                <a:cs typeface="GE SS Two Bold" panose="020A0503020102020204" pitchFamily="18" charset="-78"/>
-              </a:rPr>
-            </a:br>
-            <a:endParaRPr lang="ar-SA" sz="2400" b="1" dirty="0">
-              <a:solidFill>
-                <a:srgbClr val="1C4587"/>
-              </a:solidFill>
-              <a:latin typeface="GE SS Two Bold" panose="020A0503020102020204" pitchFamily="18" charset="-78"/>
-              <a:ea typeface="GE SS Two Bold" panose="020A0503020102020204" pitchFamily="18" charset="-78"/>
-              <a:cs typeface="GE SS Two Bold" panose="020A0503020102020204" pitchFamily="18" charset="-78"/>
-            </a:endParaRPr>
-          </a:p>
-        </p:txBody>
-      </p:sp>
-      <p:pic>
-        <p:nvPicPr>
-          <p:cNvPr id="3" name="صورة 2">
-            <a:extLst>
-              <a:ext uri="{FF2B5EF4-FFF2-40B4-BE49-F238E27FC236}">
-                <a16:creationId xmlns:a16="http://schemas.microsoft.com/office/drawing/2014/main" xmlns="" id="{15B1AB0C-AE2D-4E41-BA55-916FC7076A46}"/>
-              </a:ext>
-            </a:extLst>
-          </p:cNvPr>
-          <p:cNvPicPr>
-            <a:picLocks noChangeAspect="1"/>
-          </p:cNvPicPr>
-          <p:nvPr/>
-        </p:nvPicPr>
-        <p:blipFill>
-          <a:blip r:embed="rId3"/>
-          <a:stretch>
-            <a:fillRect/>
-          </a:stretch>
-        </p:blipFill>
-        <p:spPr>
-          <a:xfrm>
-            <a:off x="1081666" y="2450558"/>
-            <a:ext cx="7920000" cy="3960000"/>
-          </a:xfrm>
-          <a:prstGeom prst="rect">
-            <a:avLst/>
-          </a:prstGeom>
-        </p:spPr>
-      </p:pic>
-    </p:spTree>
-    <p:extLst>
-      <p:ext uri="{BB962C8B-B14F-4D97-AF65-F5344CB8AC3E}">
-        <p14:creationId xmlns:p14="http://schemas.microsoft.com/office/powerpoint/2010/main" val="1780320563"/>
-      </p:ext>
-    </p:extLst>
-  </p:cSld>
-  <p:clrMapOvr>
-    <a:masterClrMapping/>
-  </p:clrMapOvr>
-  <mc:AlternateContent xmlns:mc="http://schemas.openxmlformats.org/markup-compatibility/2006" xmlns:p14="http://schemas.microsoft.com/office/powerpoint/2010/main">
-    <mc:Choice Requires="p14">
-      <p:transition spd="slow" p14:dur="2000"/>
-    </mc:Choice>
-    <mc:Fallback xmlns="">
-      <p:transition spd="slow"/>
-    </mc:Fallback>
-  </mc:AlternateContent>
-  <p:timing>
-    <p:tnLst>
-      <p:par>
-        <p:cTn id="1" dur="indefinite" restart="never" nodeType="tmRoot"/>
-      </p:par>
-    </p:tnLst>
-  </p:timing>
-</p:sld>
-</file>
-
-<file path=ppt/slides/slide14.xml><?xml version="1.0" encoding="utf-8"?>
-<p:sld xmlns:a="http://schemas.openxmlformats.org/drawingml/2006/main" xmlns:r="http://schemas.openxmlformats.org/officeDocument/2006/relationships" xmlns:p="http://schemas.openxmlformats.org/presentationml/2006/main" show="0">
-  <p:cSld>
-    <p:spTree>
-      <p:nvGrpSpPr>
-        <p:cNvPr id="1" name="Shape 64"/>
-        <p:cNvGrpSpPr/>
-        <p:nvPr/>
-      </p:nvGrpSpPr>
-      <p:grpSpPr>
-        <a:xfrm>
-          <a:off x="0" y="0"/>
-          <a:ext cx="0" cy="0"/>
-          <a:chOff x="0" y="0"/>
-          <a:chExt cx="0" cy="0"/>
-        </a:xfrm>
-      </p:grpSpPr>
-      <p:sp>
-        <p:nvSpPr>
-          <p:cNvPr id="65" name="Google Shape;65;p15"/>
-          <p:cNvSpPr txBox="1">
-            <a:spLocks noGrp="1"/>
-          </p:cNvSpPr>
-          <p:nvPr>
-            <p:ph type="title"/>
-          </p:nvPr>
-        </p:nvSpPr>
-        <p:spPr>
-          <a:xfrm>
-            <a:off x="838200" y="365125"/>
-            <a:ext cx="10515600" cy="1325700"/>
-          </a:xfrm>
-          <a:prstGeom prst="rect">
-            <a:avLst/>
-          </a:prstGeom>
-        </p:spPr>
-        <p:txBody>
-          <a:bodyPr spcFirstLastPara="1" wrap="square" lIns="91425" tIns="45700" rIns="91425" bIns="45700" anchor="ctr" anchorCtr="0">
-            <a:noAutofit/>
-          </a:bodyPr>
-          <a:lstStyle/>
-          <a:p>
-            <a:pPr marL="0" lvl="0" indent="0" algn="ctr">
-              <a:spcBef>
-                <a:spcPts val="0"/>
-              </a:spcBef>
-              <a:spcAft>
-                <a:spcPts val="0"/>
-              </a:spcAft>
-              <a:buNone/>
-            </a:pPr>
-            <a:r>
-              <a:rPr lang="ar-SA" b="1" dirty="0">
-                <a:solidFill>
-                  <a:srgbClr val="002060"/>
-                </a:solidFill>
-                <a:latin typeface="GE SS Two Bold" panose="020A0503020102020204" pitchFamily="18" charset="-78"/>
-                <a:ea typeface="GE SS Two Bold" panose="020A0503020102020204" pitchFamily="18" charset="-78"/>
-                <a:cs typeface="GE SS Two Bold" panose="020A0503020102020204" pitchFamily="18" charset="-78"/>
-              </a:rPr>
-              <a:t>نظام أوجدني</a:t>
-            </a:r>
-            <a:endParaRPr b="1" dirty="0">
-              <a:solidFill>
-                <a:srgbClr val="002060"/>
-              </a:solidFill>
-              <a:latin typeface="GE SS Two Bold" panose="020A0503020102020204" pitchFamily="18" charset="-78"/>
-              <a:ea typeface="GE SS Two Bold" panose="020A0503020102020204" pitchFamily="18" charset="-78"/>
-              <a:cs typeface="GE SS Two Bold" panose="020A0503020102020204" pitchFamily="18" charset="-78"/>
-            </a:endParaRPr>
-          </a:p>
-        </p:txBody>
-      </p:sp>
-      <p:sp>
-        <p:nvSpPr>
-          <p:cNvPr id="66" name="Google Shape;66;p15"/>
-          <p:cNvSpPr txBox="1">
-            <a:spLocks noGrp="1"/>
-          </p:cNvSpPr>
-          <p:nvPr>
-            <p:ph type="body" idx="1"/>
-          </p:nvPr>
-        </p:nvSpPr>
-        <p:spPr>
-          <a:xfrm>
-            <a:off x="838200" y="1825625"/>
-            <a:ext cx="10515600" cy="4351200"/>
-          </a:xfrm>
-          <a:prstGeom prst="rect">
-            <a:avLst/>
-          </a:prstGeom>
-        </p:spPr>
-        <p:txBody>
-          <a:bodyPr spcFirstLastPara="1" wrap="square" lIns="91425" tIns="45700" rIns="91425" bIns="45700" anchor="t" anchorCtr="0">
-            <a:noAutofit/>
-          </a:bodyPr>
-          <a:lstStyle/>
-          <a:p>
-            <a:pPr marL="0" lvl="0" indent="0" algn="r" rtl="1">
-              <a:spcBef>
-                <a:spcPts val="1000"/>
-              </a:spcBef>
-              <a:spcAft>
-                <a:spcPts val="0"/>
-              </a:spcAft>
-              <a:buNone/>
-            </a:pPr>
-            <a:r>
-              <a:rPr lang="ar-SA" sz="2400" b="1" u="sng" dirty="0">
-                <a:solidFill>
-                  <a:srgbClr val="002060"/>
-                </a:solidFill>
-                <a:latin typeface="GE SS Two Bold" panose="020A0503020102020204" pitchFamily="18" charset="-78"/>
-                <a:ea typeface="GE SS Two Bold" panose="020A0503020102020204" pitchFamily="18" charset="-78"/>
-                <a:cs typeface="GE SS Two Bold" panose="020A0503020102020204" pitchFamily="18" charset="-78"/>
-              </a:rPr>
-              <a:t>شرح آلية عمل النظام بالصور :</a:t>
-            </a:r>
-          </a:p>
-          <a:p>
-            <a:pPr marL="0" lvl="0" indent="0" algn="r" rtl="1">
-              <a:spcBef>
-                <a:spcPts val="1000"/>
-              </a:spcBef>
-              <a:spcAft>
-                <a:spcPts val="0"/>
-              </a:spcAft>
-              <a:buNone/>
-            </a:pPr>
-            <a:r>
-              <a:rPr lang="ar-SA" sz="2400" b="1" dirty="0">
-                <a:solidFill>
-                  <a:srgbClr val="002060"/>
-                </a:solidFill>
-                <a:latin typeface="GE SS Two Bold" panose="020A0503020102020204" pitchFamily="18" charset="-78"/>
-                <a:ea typeface="GE SS Two Bold" panose="020A0503020102020204" pitchFamily="18" charset="-78"/>
-                <a:cs typeface="GE SS Two Bold" panose="020A0503020102020204" pitchFamily="18" charset="-78"/>
-              </a:rPr>
-              <a:t>الخطوة الثالثة :</a:t>
-            </a:r>
-            <a:r>
-              <a:rPr lang="ar-SA" sz="2400" b="1" dirty="0">
-                <a:solidFill>
-                  <a:srgbClr val="1C4587"/>
-                </a:solidFill>
-                <a:latin typeface="GE SS Two Bold" panose="020A0503020102020204" pitchFamily="18" charset="-78"/>
-                <a:ea typeface="GE SS Two Bold" panose="020A0503020102020204" pitchFamily="18" charset="-78"/>
-                <a:cs typeface="GE SS Two Bold" panose="020A0503020102020204" pitchFamily="18" charset="-78"/>
-              </a:rPr>
-              <a:t/>
-            </a:r>
-            <a:br>
-              <a:rPr lang="ar-SA" sz="2400" b="1" dirty="0">
-                <a:solidFill>
-                  <a:srgbClr val="1C4587"/>
-                </a:solidFill>
-                <a:latin typeface="GE SS Two Bold" panose="020A0503020102020204" pitchFamily="18" charset="-78"/>
-                <a:ea typeface="GE SS Two Bold" panose="020A0503020102020204" pitchFamily="18" charset="-78"/>
-                <a:cs typeface="GE SS Two Bold" panose="020A0503020102020204" pitchFamily="18" charset="-78"/>
-              </a:rPr>
-            </a:br>
-            <a:endParaRPr lang="ar-SA" sz="2400" b="1" dirty="0">
-              <a:solidFill>
-                <a:srgbClr val="1C4587"/>
-              </a:solidFill>
-              <a:latin typeface="GE SS Two Bold" panose="020A0503020102020204" pitchFamily="18" charset="-78"/>
-              <a:ea typeface="GE SS Two Bold" panose="020A0503020102020204" pitchFamily="18" charset="-78"/>
-              <a:cs typeface="GE SS Two Bold" panose="020A0503020102020204" pitchFamily="18" charset="-78"/>
-            </a:endParaRPr>
-          </a:p>
-        </p:txBody>
-      </p:sp>
-      <p:pic>
-        <p:nvPicPr>
-          <p:cNvPr id="3" name="صورة 2">
-            <a:extLst>
-              <a:ext uri="{FF2B5EF4-FFF2-40B4-BE49-F238E27FC236}">
-                <a16:creationId xmlns:a16="http://schemas.microsoft.com/office/drawing/2014/main" xmlns="" id="{15B1AB0C-AE2D-4E41-BA55-916FC7076A46}"/>
-              </a:ext>
-            </a:extLst>
-          </p:cNvPr>
-          <p:cNvPicPr>
-            <a:picLocks noChangeAspect="1"/>
-          </p:cNvPicPr>
-          <p:nvPr/>
-        </p:nvPicPr>
-        <p:blipFill>
-          <a:blip r:embed="rId3"/>
-          <a:stretch>
-            <a:fillRect/>
-          </a:stretch>
-        </p:blipFill>
-        <p:spPr>
-          <a:xfrm>
-            <a:off x="1081666" y="2450558"/>
-            <a:ext cx="7920000" cy="3960000"/>
-          </a:xfrm>
-          <a:prstGeom prst="rect">
-            <a:avLst/>
-          </a:prstGeom>
-        </p:spPr>
-      </p:pic>
-    </p:spTree>
-    <p:extLst>
-      <p:ext uri="{BB962C8B-B14F-4D97-AF65-F5344CB8AC3E}">
-        <p14:creationId xmlns:p14="http://schemas.microsoft.com/office/powerpoint/2010/main" val="3518025666"/>
-      </p:ext>
-    </p:extLst>
-  </p:cSld>
-  <p:clrMapOvr>
-    <a:masterClrMapping/>
-  </p:clrMapOvr>
-  <mc:AlternateContent xmlns:mc="http://schemas.openxmlformats.org/markup-compatibility/2006" xmlns:p14="http://schemas.microsoft.com/office/powerpoint/2010/main">
-    <mc:Choice Requires="p14">
-      <p:transition spd="slow" p14:dur="2000"/>
-    </mc:Choice>
-    <mc:Fallback xmlns="">
-      <p:transition spd="slow"/>
-    </mc:Fallback>
-  </mc:AlternateContent>
-  <p:timing>
-    <p:tnLst>
-      <p:par>
-        <p:cTn id="1" dur="indefinite" restart="never" nodeType="tmRoot"/>
-      </p:par>
-    </p:tnLst>
-  </p:timing>
-</p:sld>
-</file>
-
-<file path=ppt/slides/slide15.xml><?xml version="1.0" encoding="utf-8"?>
-<p:sld xmlns:a="http://schemas.openxmlformats.org/drawingml/2006/main" xmlns:r="http://schemas.openxmlformats.org/officeDocument/2006/relationships" xmlns:p="http://schemas.openxmlformats.org/presentationml/2006/main" show="0">
-  <p:cSld>
-    <p:spTree>
-      <p:nvGrpSpPr>
-        <p:cNvPr id="1" name="Shape 64"/>
-        <p:cNvGrpSpPr/>
-        <p:nvPr/>
-      </p:nvGrpSpPr>
-      <p:grpSpPr>
-        <a:xfrm>
-          <a:off x="0" y="0"/>
-          <a:ext cx="0" cy="0"/>
-          <a:chOff x="0" y="0"/>
-          <a:chExt cx="0" cy="0"/>
-        </a:xfrm>
-      </p:grpSpPr>
-      <p:sp>
-        <p:nvSpPr>
-          <p:cNvPr id="65" name="Google Shape;65;p15"/>
-          <p:cNvSpPr txBox="1">
-            <a:spLocks noGrp="1"/>
-          </p:cNvSpPr>
-          <p:nvPr>
-            <p:ph type="title"/>
-          </p:nvPr>
-        </p:nvSpPr>
-        <p:spPr>
-          <a:xfrm>
-            <a:off x="838200" y="365125"/>
-            <a:ext cx="10515600" cy="1325700"/>
-          </a:xfrm>
-          <a:prstGeom prst="rect">
-            <a:avLst/>
-          </a:prstGeom>
-        </p:spPr>
-        <p:txBody>
-          <a:bodyPr spcFirstLastPara="1" wrap="square" lIns="91425" tIns="45700" rIns="91425" bIns="45700" anchor="ctr" anchorCtr="0">
-            <a:noAutofit/>
-          </a:bodyPr>
-          <a:lstStyle/>
-          <a:p>
-            <a:pPr marL="0" lvl="0" indent="0" algn="ctr">
-              <a:spcBef>
-                <a:spcPts val="0"/>
-              </a:spcBef>
-              <a:spcAft>
-                <a:spcPts val="0"/>
-              </a:spcAft>
-              <a:buNone/>
-            </a:pPr>
-            <a:r>
-              <a:rPr lang="ar-SA" b="1" dirty="0">
-                <a:solidFill>
-                  <a:srgbClr val="002060"/>
-                </a:solidFill>
-                <a:latin typeface="GE SS Two Bold" panose="020A0503020102020204" pitchFamily="18" charset="-78"/>
-                <a:ea typeface="GE SS Two Bold" panose="020A0503020102020204" pitchFamily="18" charset="-78"/>
-                <a:cs typeface="GE SS Two Bold" panose="020A0503020102020204" pitchFamily="18" charset="-78"/>
-              </a:rPr>
-              <a:t>نظام أوجدني</a:t>
-            </a:r>
-            <a:endParaRPr b="1" dirty="0">
-              <a:solidFill>
-                <a:srgbClr val="002060"/>
-              </a:solidFill>
-              <a:latin typeface="GE SS Two Bold" panose="020A0503020102020204" pitchFamily="18" charset="-78"/>
-              <a:ea typeface="GE SS Two Bold" panose="020A0503020102020204" pitchFamily="18" charset="-78"/>
-              <a:cs typeface="GE SS Two Bold" panose="020A0503020102020204" pitchFamily="18" charset="-78"/>
-            </a:endParaRPr>
-          </a:p>
-        </p:txBody>
-      </p:sp>
-      <p:sp>
-        <p:nvSpPr>
-          <p:cNvPr id="66" name="Google Shape;66;p15"/>
-          <p:cNvSpPr txBox="1">
-            <a:spLocks noGrp="1"/>
-          </p:cNvSpPr>
-          <p:nvPr>
-            <p:ph type="body" idx="1"/>
-          </p:nvPr>
-        </p:nvSpPr>
-        <p:spPr>
-          <a:xfrm>
-            <a:off x="838200" y="1825625"/>
-            <a:ext cx="10515600" cy="4351200"/>
-          </a:xfrm>
-          <a:prstGeom prst="rect">
-            <a:avLst/>
-          </a:prstGeom>
-        </p:spPr>
-        <p:txBody>
-          <a:bodyPr spcFirstLastPara="1" wrap="square" lIns="91425" tIns="45700" rIns="91425" bIns="45700" anchor="t" anchorCtr="0">
-            <a:noAutofit/>
-          </a:bodyPr>
-          <a:lstStyle/>
-          <a:p>
-            <a:pPr marL="0" lvl="0" indent="0" algn="r" rtl="1">
-              <a:spcBef>
-                <a:spcPts val="1000"/>
-              </a:spcBef>
-              <a:spcAft>
-                <a:spcPts val="0"/>
-              </a:spcAft>
-              <a:buNone/>
-            </a:pPr>
-            <a:r>
-              <a:rPr lang="ar-SA" sz="2400" b="1" u="sng" dirty="0">
-                <a:solidFill>
-                  <a:srgbClr val="002060"/>
-                </a:solidFill>
-                <a:latin typeface="GE SS Two Bold" panose="020A0503020102020204" pitchFamily="18" charset="-78"/>
-                <a:ea typeface="GE SS Two Bold" panose="020A0503020102020204" pitchFamily="18" charset="-78"/>
-                <a:cs typeface="GE SS Two Bold" panose="020A0503020102020204" pitchFamily="18" charset="-78"/>
-              </a:rPr>
-              <a:t>شرح آلية عمل النظام بالصور :</a:t>
-            </a:r>
-          </a:p>
-          <a:p>
-            <a:pPr marL="0" lvl="0" indent="0" algn="r" rtl="1">
-              <a:spcBef>
-                <a:spcPts val="1000"/>
-              </a:spcBef>
-              <a:spcAft>
-                <a:spcPts val="0"/>
-              </a:spcAft>
-              <a:buNone/>
-            </a:pPr>
-            <a:r>
-              <a:rPr lang="ar-SA" sz="2400" b="1" dirty="0">
-                <a:solidFill>
-                  <a:srgbClr val="002060"/>
-                </a:solidFill>
-                <a:latin typeface="GE SS Two Bold" panose="020A0503020102020204" pitchFamily="18" charset="-78"/>
-                <a:ea typeface="GE SS Two Bold" panose="020A0503020102020204" pitchFamily="18" charset="-78"/>
-                <a:cs typeface="GE SS Two Bold" panose="020A0503020102020204" pitchFamily="18" charset="-78"/>
-              </a:rPr>
-              <a:t>الخطوة الرابعة :</a:t>
-            </a:r>
-            <a:r>
-              <a:rPr lang="ar-SA" sz="2400" b="1" dirty="0">
-                <a:solidFill>
-                  <a:srgbClr val="1C4587"/>
-                </a:solidFill>
-                <a:latin typeface="GE SS Two Bold" panose="020A0503020102020204" pitchFamily="18" charset="-78"/>
-                <a:ea typeface="GE SS Two Bold" panose="020A0503020102020204" pitchFamily="18" charset="-78"/>
-                <a:cs typeface="GE SS Two Bold" panose="020A0503020102020204" pitchFamily="18" charset="-78"/>
-              </a:rPr>
-              <a:t/>
-            </a:r>
-            <a:br>
-              <a:rPr lang="ar-SA" sz="2400" b="1" dirty="0">
-                <a:solidFill>
-                  <a:srgbClr val="1C4587"/>
-                </a:solidFill>
-                <a:latin typeface="GE SS Two Bold" panose="020A0503020102020204" pitchFamily="18" charset="-78"/>
-                <a:ea typeface="GE SS Two Bold" panose="020A0503020102020204" pitchFamily="18" charset="-78"/>
-                <a:cs typeface="GE SS Two Bold" panose="020A0503020102020204" pitchFamily="18" charset="-78"/>
-              </a:rPr>
-            </a:br>
-            <a:endParaRPr lang="ar-SA" sz="2400" b="1" dirty="0">
-              <a:solidFill>
-                <a:srgbClr val="1C4587"/>
-              </a:solidFill>
-              <a:latin typeface="GE SS Two Bold" panose="020A0503020102020204" pitchFamily="18" charset="-78"/>
-              <a:ea typeface="GE SS Two Bold" panose="020A0503020102020204" pitchFamily="18" charset="-78"/>
-              <a:cs typeface="GE SS Two Bold" panose="020A0503020102020204" pitchFamily="18" charset="-78"/>
-            </a:endParaRPr>
-          </a:p>
-        </p:txBody>
-      </p:sp>
-      <p:pic>
-        <p:nvPicPr>
-          <p:cNvPr id="3" name="صورة 2">
-            <a:extLst>
-              <a:ext uri="{FF2B5EF4-FFF2-40B4-BE49-F238E27FC236}">
-                <a16:creationId xmlns:a16="http://schemas.microsoft.com/office/drawing/2014/main" xmlns="" id="{15B1AB0C-AE2D-4E41-BA55-916FC7076A46}"/>
-              </a:ext>
-            </a:extLst>
-          </p:cNvPr>
-          <p:cNvPicPr>
-            <a:picLocks noChangeAspect="1"/>
-          </p:cNvPicPr>
-          <p:nvPr/>
-        </p:nvPicPr>
-        <p:blipFill>
-          <a:blip r:embed="rId3"/>
-          <a:stretch>
-            <a:fillRect/>
-          </a:stretch>
-        </p:blipFill>
-        <p:spPr>
-          <a:xfrm>
-            <a:off x="1081666" y="2450558"/>
-            <a:ext cx="7920000" cy="3960000"/>
-          </a:xfrm>
-          <a:prstGeom prst="rect">
-            <a:avLst/>
-          </a:prstGeom>
-        </p:spPr>
-      </p:pic>
-    </p:spTree>
-    <p:extLst>
-      <p:ext uri="{BB962C8B-B14F-4D97-AF65-F5344CB8AC3E}">
-        <p14:creationId xmlns:p14="http://schemas.microsoft.com/office/powerpoint/2010/main" val="828575541"/>
-      </p:ext>
-    </p:extLst>
-  </p:cSld>
-  <p:clrMapOvr>
-    <a:masterClrMapping/>
-  </p:clrMapOvr>
-  <mc:AlternateContent xmlns:mc="http://schemas.openxmlformats.org/markup-compatibility/2006" xmlns:p14="http://schemas.microsoft.com/office/powerpoint/2010/main">
-    <mc:Choice Requires="p14">
-      <p:transition spd="slow" p14:dur="2000"/>
-    </mc:Choice>
-    <mc:Fallback xmlns="">
-      <p:transition spd="slow"/>
-    </mc:Fallback>
-  </mc:AlternateContent>
-</p:sld>
-</file>
-
-<file path=ppt/slides/slide2.xml><?xml version="1.0" encoding="utf-8"?>
-<p:sld xmlns:a="http://schemas.openxmlformats.org/drawingml/2006/main" xmlns:r="http://schemas.openxmlformats.org/officeDocument/2006/relationships" xmlns:p="http://schemas.openxmlformats.org/presentationml/2006/main">
-  <p:cSld>
-    <p:spTree>
-      <p:nvGrpSpPr>
-        <p:cNvPr id="1" name="Shape 64"/>
-        <p:cNvGrpSpPr/>
-        <p:nvPr/>
-      </p:nvGrpSpPr>
-      <p:grpSpPr>
-        <a:xfrm>
-          <a:off x="0" y="0"/>
-          <a:ext cx="0" cy="0"/>
-          <a:chOff x="0" y="0"/>
-          <a:chExt cx="0" cy="0"/>
-        </a:xfrm>
-      </p:grpSpPr>
-      <p:pic>
-        <p:nvPicPr>
-          <p:cNvPr id="1026" name="Picture 2"/>
-          <p:cNvPicPr>
-            <a:picLocks noChangeAspect="1" noChangeArrowheads="1"/>
-          </p:cNvPicPr>
-          <p:nvPr/>
-        </p:nvPicPr>
-        <p:blipFill rotWithShape="1">
-          <a:blip r:embed="rId3">
-            <a:extLst>
-              <a:ext uri="{28A0092B-C50C-407E-A947-70E740481C1C}">
-                <a14:useLocalDpi xmlns:a14="http://schemas.microsoft.com/office/drawing/2010/main" val="0"/>
-              </a:ext>
-            </a:extLst>
-          </a:blip>
-          <a:srcRect l="80138" t="18750" r="9931" b="15302"/>
-          <a:stretch/>
-        </p:blipFill>
-        <p:spPr bwMode="auto">
-          <a:xfrm>
-            <a:off x="10899871" y="-110360"/>
-            <a:ext cx="1292129" cy="6968359"/>
-          </a:xfrm>
-          <a:prstGeom prst="rect">
-            <a:avLst/>
-          </a:prstGeom>
-          <a:noFill/>
-          <a:ln>
-            <a:noFill/>
-          </a:ln>
-          <a:effectLst/>
-          <a:extLst>
-            <a:ext uri="{909E8E84-426E-40DD-AFC4-6F175D3DCCD1}">
-              <a14:hiddenFill xmlns:a14="http://schemas.microsoft.com/office/drawing/2010/main">
-                <a:solidFill>
-                  <a:schemeClr val="accent1"/>
-                </a:solidFill>
-              </a14:hiddenFill>
-            </a:ext>
-            <a:ext uri="{91240B29-F687-4F45-9708-019B960494DF}">
-              <a14:hiddenLine xmlns:a14="http://schemas.microsoft.com/office/drawing/2010/main" w="9525">
-                <a:solidFill>
-                  <a:schemeClr val="tx1"/>
-                </a:solidFill>
-                <a:miter lim="800000"/>
-                <a:headEnd/>
-                <a:tailEnd/>
-              </a14:hiddenLine>
-            </a:ext>
-            <a:ext uri="{AF507438-7753-43E0-B8FC-AC1667EBCBE1}">
-              <a14:hiddenEffects xmlns:a14="http://schemas.microsoft.com/office/drawing/2010/main">
-                <a:effectLst>
-                  <a:outerShdw dist="35921" dir="2700000" algn="ctr" rotWithShape="0">
-                    <a:schemeClr val="bg2"/>
-                  </a:outerShdw>
-                </a:effectLst>
-              </a14:hiddenEffects>
-            </a:ext>
-          </a:extLst>
-        </p:spPr>
-      </p:pic>
-      <p:pic>
-        <p:nvPicPr>
-          <p:cNvPr id="8" name="Google Shape;60;p14"/>
-          <p:cNvPicPr preferRelativeResize="0"/>
-          <p:nvPr/>
-        </p:nvPicPr>
-        <p:blipFill>
-          <a:blip r:embed="rId4">
-            <a:alphaModFix/>
-          </a:blip>
-          <a:stretch>
-            <a:fillRect/>
-          </a:stretch>
-        </p:blipFill>
-        <p:spPr>
-          <a:xfrm>
-            <a:off x="195568" y="4450463"/>
-            <a:ext cx="2248076" cy="2279411"/>
-          </a:xfrm>
-          <a:prstGeom prst="rect">
-            <a:avLst/>
-          </a:prstGeom>
-          <a:noFill/>
-          <a:ln>
-            <a:noFill/>
-          </a:ln>
-        </p:spPr>
-      </p:pic>
-      <p:sp>
-        <p:nvSpPr>
-          <p:cNvPr id="9" name="Google Shape;65;p15"/>
-          <p:cNvSpPr txBox="1">
-            <a:spLocks noGrp="1"/>
-          </p:cNvSpPr>
-          <p:nvPr>
-            <p:ph type="title"/>
-          </p:nvPr>
-        </p:nvSpPr>
-        <p:spPr>
-          <a:xfrm>
-            <a:off x="838200" y="365125"/>
-            <a:ext cx="9929648" cy="1325700"/>
-          </a:xfrm>
-          <a:prstGeom prst="rect">
-            <a:avLst/>
-          </a:prstGeom>
-        </p:spPr>
-        <p:txBody>
-          <a:bodyPr spcFirstLastPara="1" wrap="square" lIns="91425" tIns="45700" rIns="91425" bIns="45700" anchor="ctr" anchorCtr="0">
-            <a:noAutofit/>
-          </a:bodyPr>
-          <a:lstStyle/>
-          <a:p>
-            <a:pPr marL="0" lvl="0" indent="0" algn="ctr">
-              <a:spcBef>
-                <a:spcPts val="0"/>
-              </a:spcBef>
-              <a:spcAft>
-                <a:spcPts val="0"/>
-              </a:spcAft>
-              <a:buNone/>
-            </a:pPr>
-            <a:r>
-              <a:rPr lang="ar-SA" b="1" dirty="0" smtClean="0">
-                <a:solidFill>
                   <a:schemeClr val="bg1">
                     <a:lumMod val="50000"/>
                   </a:schemeClr>
@@ -10747,20 +8308,7 @@
                 <a:ea typeface="GE SS Two Bold" pitchFamily="18" charset="-78"/>
                 <a:cs typeface="GE SS Two Bold" pitchFamily="18" charset="-78"/>
               </a:rPr>
-              <a:t>الفئة: الصحة </a:t>
-            </a:r>
-            <a:r>
-              <a:rPr lang="ar-SA" sz="2000" dirty="0" smtClean="0">
-                <a:solidFill>
-                  <a:schemeClr val="bg1">
-                    <a:lumMod val="50000"/>
-                  </a:schemeClr>
-                </a:solidFill>
-                <a:latin typeface="GE SS Two Bold" pitchFamily="18" charset="-78"/>
-                <a:ea typeface="GE SS Two Bold" pitchFamily="18" charset="-78"/>
-                <a:cs typeface="GE SS Two Bold" pitchFamily="18" charset="-78"/>
-              </a:rPr>
-              <a:t>العامة.</a:t>
+              <a:t>الفئة: الصحة العامة.</a:t>
             </a:r>
           </a:p>
           <a:p>
@@ -10799,20 +8347,7 @@
                 <a:ea typeface="GE SS Two Bold" pitchFamily="18" charset="-78"/>
                 <a:cs typeface="GE SS Two Bold" pitchFamily="18" charset="-78"/>
               </a:rPr>
-              <a:t>مستخدمي </a:t>
-            </a:r>
-            <a:r>
-              <a:rPr lang="ar-SA" sz="2000" dirty="0" smtClean="0">
-                <a:solidFill>
-                  <a:schemeClr val="bg1">
-                    <a:lumMod val="50000"/>
-                  </a:schemeClr>
-                </a:solidFill>
-                <a:latin typeface="GE SS Two Bold" pitchFamily="18" charset="-78"/>
-                <a:ea typeface="GE SS Two Bold" pitchFamily="18" charset="-78"/>
-                <a:cs typeface="GE SS Two Bold" pitchFamily="18" charset="-78"/>
-              </a:rPr>
-              <a:t>النظام: مقدمي </a:t>
+              <a:t>مستخدمي النظام: مقدمي </a:t>
             </a:r>
             <a:r>
               <a:rPr lang="ar-SA" sz="2000" dirty="0">
@@ -10838,33 +8373,7 @@
                 <a:ea typeface="GE SS Two Bold" pitchFamily="18" charset="-78"/>
                 <a:cs typeface="GE SS Two Bold" pitchFamily="18" charset="-78"/>
               </a:rPr>
-              <a:t>الصحية، مكاتب شؤون الحجاح، </a:t>
-            </a:r>
-            <a:r>
-              <a:rPr lang="ar-SA" sz="2000" dirty="0" smtClean="0">
-                <a:solidFill>
-                  <a:schemeClr val="bg1">
-                    <a:lumMod val="50000"/>
-                  </a:schemeClr>
-                </a:solidFill>
-                <a:latin typeface="GE SS Two Bold" pitchFamily="18" charset="-78"/>
-                <a:ea typeface="GE SS Two Bold" pitchFamily="18" charset="-78"/>
-                <a:cs typeface="GE SS Two Bold" pitchFamily="18" charset="-78"/>
-              </a:rPr>
-              <a:t>المرشدون </a:t>
-            </a:r>
-            <a:r>
-              <a:rPr lang="ar-SA" sz="2000" dirty="0" smtClean="0">
-                <a:solidFill>
-                  <a:schemeClr val="bg1">
-                    <a:lumMod val="50000"/>
-                  </a:schemeClr>
-                </a:solidFill>
-                <a:latin typeface="GE SS Two Bold" pitchFamily="18" charset="-78"/>
-                <a:ea typeface="GE SS Two Bold" pitchFamily="18" charset="-78"/>
-                <a:cs typeface="GE SS Two Bold" pitchFamily="18" charset="-78"/>
-              </a:rPr>
-              <a:t>والمتطوعون</a:t>
+              <a:t>الصحية، مكاتب شؤون الحجاح، المرشدون والمتطوعون</a:t>
             </a:r>
             <a:r>
               <a:rPr lang="en-US" sz="2000" dirty="0" smtClean="0">
@@ -10926,33 +8435,7 @@
                 <a:ea typeface="GE SS Two Bold" pitchFamily="18" charset="-78"/>
                 <a:cs typeface="GE SS Two Bold" pitchFamily="18" charset="-78"/>
               </a:rPr>
-              <a:t>نظام أوجدني</a:t>
-            </a:r>
-            <a:r>
-              <a:rPr lang="ar-SA" sz="2000" dirty="0" smtClean="0">
-                <a:solidFill>
-                  <a:schemeClr val="bg1">
-                    <a:lumMod val="50000"/>
-                  </a:schemeClr>
-                </a:solidFill>
-                <a:latin typeface="GE SS Two Bold" pitchFamily="18" charset="-78"/>
-                <a:ea typeface="GE SS Two Bold" pitchFamily="18" charset="-78"/>
-                <a:cs typeface="GE SS Two Bold" pitchFamily="18" charset="-78"/>
-              </a:rPr>
-              <a:t>:  </a:t>
-            </a:r>
-            <a:r>
-              <a:rPr lang="ar-SA" sz="2000" dirty="0" smtClean="0">
-                <a:solidFill>
-                  <a:schemeClr val="bg1">
-                    <a:lumMod val="50000"/>
-                  </a:schemeClr>
-                </a:solidFill>
-                <a:latin typeface="GE SS Two Bold" pitchFamily="18" charset="-78"/>
-                <a:ea typeface="GE SS Two Bold" pitchFamily="18" charset="-78"/>
-                <a:cs typeface="GE SS Two Bold" pitchFamily="18" charset="-78"/>
-              </a:rPr>
-              <a:t>يوفر البيانات الاساسية والطبية للحاج  من بلده ويسهل خدمة الوصول إليها بأسرع وقت عند الحاجة باستخدام </a:t>
+              <a:t>نظام أوجدني:  يوفر البيانات الاساسية والطبية للحاج  من بلده ويسهل خدمة الوصول إليها بأسرع وقت عند الحاجة باستخدام </a:t>
             </a:r>
             <a:r>
               <a:rPr lang="en-US" sz="2000" b="1" dirty="0" smtClean="0">
@@ -10978,20 +8461,7 @@
                 <a:ea typeface="GE SS Two Bold" pitchFamily="18" charset="-78"/>
                 <a:cs typeface="GE SS Two Bold" pitchFamily="18" charset="-78"/>
               </a:rPr>
-              <a:t>. ويمكن الاستفادة من هذه البيانات في عملية الاستعداد وتوفير الخدمات الطبية اللازمة</a:t>
-            </a:r>
-            <a:r>
-              <a:rPr lang="ar-SA" sz="2000" dirty="0" smtClean="0">
-                <a:solidFill>
-                  <a:schemeClr val="bg1">
-                    <a:lumMod val="50000"/>
-                  </a:schemeClr>
-                </a:solidFill>
-                <a:latin typeface="GE SS Two Bold" pitchFamily="18" charset="-78"/>
-                <a:ea typeface="GE SS Two Bold" pitchFamily="18" charset="-78"/>
-                <a:cs typeface="GE SS Two Bold" pitchFamily="18" charset="-78"/>
-              </a:rPr>
-              <a:t>.</a:t>
+              <a:t>. ويمكن الاستفادة من هذه البيانات في عملية الاستعداد وتوفير الخدمات الطبية اللازمة.</a:t>
             </a:r>
             <a:endParaRPr lang="en-US" sz="2000" dirty="0">
               <a:solidFill>
@@ -11285,20 +8755,7 @@
                 <a:ea typeface="GE SS Two Bold" pitchFamily="18" charset="-78"/>
                 <a:cs typeface="GE SS Two Bold" pitchFamily="18" charset="-78"/>
               </a:rPr>
-              <a:t>سرعة </a:t>
-            </a:r>
-            <a:r>
-              <a:rPr lang="ar-SA" sz="2000" dirty="0" smtClean="0">
-                <a:solidFill>
-                  <a:schemeClr val="bg1">
-                    <a:lumMod val="50000"/>
-                  </a:schemeClr>
-                </a:solidFill>
-                <a:latin typeface="GE SS Two Bold" pitchFamily="18" charset="-78"/>
-                <a:ea typeface="GE SS Two Bold" pitchFamily="18" charset="-78"/>
-                <a:cs typeface="GE SS Two Bold" pitchFamily="18" charset="-78"/>
-              </a:rPr>
-              <a:t>الوصول لبيانات </a:t>
+              <a:t>سرعة الوصول لبيانات </a:t>
             </a:r>
             <a:r>
               <a:rPr lang="ar-SA" sz="2000" dirty="0">
@@ -11663,16 +9120,6 @@
               </a:rPr>
               <a:t>يتكون النظام من : </a:t>
             </a:r>
-            <a:endParaRPr lang="ar-SA" sz="2400" b="1" dirty="0" smtClean="0">
-              <a:solidFill>
-                <a:schemeClr val="bg1">
-                  <a:lumMod val="50000"/>
-                </a:schemeClr>
-              </a:solidFill>
-              <a:latin typeface="GE SS Two Bold" pitchFamily="18" charset="-78"/>
-              <a:ea typeface="GE SS Two Bold" pitchFamily="18" charset="-78"/>
-              <a:cs typeface="GE SS Two Bold" pitchFamily="18" charset="-78"/>
-            </a:endParaRPr>
           </a:p>
           <a:p>
             <a:pPr lvl="1" algn="r" rtl="1">
@@ -11799,7 +9246,7 @@
 </file>
 
 <file path=ppt/slides/slide5.xml><?xml version="1.0" encoding="utf-8"?>
-<p:sld xmlns:a="http://schemas.openxmlformats.org/drawingml/2006/main" xmlns:r="http://schemas.openxmlformats.org/officeDocument/2006/relationships" xmlns:p="http://schemas.openxmlformats.org/presentationml/2006/main">
+<p:sld xmlns:a="http://schemas.openxmlformats.org/drawingml/2006/main" xmlns:r="http://schemas.openxmlformats.org/officeDocument/2006/relationships" xmlns:p="http://schemas.openxmlformats.org/presentationml/2006/main" show="0">
   <p:cSld>
     <p:spTree>
       <p:nvGrpSpPr>
@@ -12091,6 +9538,14 @@
   <p:clrMapOvr>
     <a:masterClrMapping/>
   </p:clrMapOvr>
+  <mc:AlternateContent xmlns:mc="http://schemas.openxmlformats.org/markup-compatibility/2006">
+    <mc:Choice xmlns:p14="http://schemas.microsoft.com/office/powerpoint/2010/main" Requires="p14">
+      <p:transition spd="slow" p14:dur="2000"/>
+    </mc:Choice>
+    <mc:Fallback>
+      <p:transition spd="slow"/>
+    </mc:Fallback>
+  </mc:AlternateContent>
   <p:timing>
     <p:tnLst>
       <p:par>
